--- a/final/final.pptx
+++ b/final/final.pptx
@@ -15,11 +15,33 @@
     <p:sldId id="263" r:id="rId9"/>
     <p:sldId id="269" r:id="rId10"/>
     <p:sldId id="270" r:id="rId11"/>
-    <p:sldId id="264" r:id="rId12"/>
-    <p:sldId id="265" r:id="rId13"/>
+    <p:sldId id="265" r:id="rId12"/>
+    <p:sldId id="264" r:id="rId13"/>
     <p:sldId id="266" r:id="rId14"/>
     <p:sldId id="267" r:id="rId15"/>
-    <p:sldId id="268" r:id="rId16"/>
+    <p:sldId id="271" r:id="rId16"/>
+    <p:sldId id="284" r:id="rId17"/>
+    <p:sldId id="285" r:id="rId18"/>
+    <p:sldId id="286" r:id="rId19"/>
+    <p:sldId id="288" r:id="rId20"/>
+    <p:sldId id="287" r:id="rId21"/>
+    <p:sldId id="292" r:id="rId22"/>
+    <p:sldId id="289" r:id="rId23"/>
+    <p:sldId id="290" r:id="rId24"/>
+    <p:sldId id="291" r:id="rId25"/>
+    <p:sldId id="275" r:id="rId26"/>
+    <p:sldId id="272" r:id="rId27"/>
+    <p:sldId id="276" r:id="rId28"/>
+    <p:sldId id="273" r:id="rId29"/>
+    <p:sldId id="274" r:id="rId30"/>
+    <p:sldId id="268" r:id="rId31"/>
+    <p:sldId id="277" r:id="rId32"/>
+    <p:sldId id="278" r:id="rId33"/>
+    <p:sldId id="279" r:id="rId34"/>
+    <p:sldId id="281" r:id="rId35"/>
+    <p:sldId id="282" r:id="rId36"/>
+    <p:sldId id="283" r:id="rId37"/>
+    <p:sldId id="280" r:id="rId38"/>
   </p:sldIdLst>
   <p:sldSz cx="12192000" cy="6858000"/>
   <p:notesSz cx="6858000" cy="9144000"/>
@@ -273,7 +295,7 @@
           <a:p>
             <a:fld id="{703E4721-E13C-4B5E-8047-1BB26AD24A02}" type="datetimeFigureOut">
               <a:rPr lang="zh-TW" altLang="en-US" smtClean="0"/>
-              <a:t>2024/1/4</a:t>
+              <a:t>2024/1/12</a:t>
             </a:fld>
             <a:endParaRPr lang="zh-TW" altLang="en-US"/>
           </a:p>
@@ -471,7 +493,7 @@
           <a:p>
             <a:fld id="{703E4721-E13C-4B5E-8047-1BB26AD24A02}" type="datetimeFigureOut">
               <a:rPr lang="zh-TW" altLang="en-US" smtClean="0"/>
-              <a:t>2024/1/4</a:t>
+              <a:t>2024/1/12</a:t>
             </a:fld>
             <a:endParaRPr lang="zh-TW" altLang="en-US"/>
           </a:p>
@@ -679,7 +701,7 @@
           <a:p>
             <a:fld id="{703E4721-E13C-4B5E-8047-1BB26AD24A02}" type="datetimeFigureOut">
               <a:rPr lang="zh-TW" altLang="en-US" smtClean="0"/>
-              <a:t>2024/1/4</a:t>
+              <a:t>2024/1/12</a:t>
             </a:fld>
             <a:endParaRPr lang="zh-TW" altLang="en-US"/>
           </a:p>
@@ -877,7 +899,7 @@
           <a:p>
             <a:fld id="{703E4721-E13C-4B5E-8047-1BB26AD24A02}" type="datetimeFigureOut">
               <a:rPr lang="zh-TW" altLang="en-US" smtClean="0"/>
-              <a:t>2024/1/4</a:t>
+              <a:t>2024/1/12</a:t>
             </a:fld>
             <a:endParaRPr lang="zh-TW" altLang="en-US"/>
           </a:p>
@@ -1152,7 +1174,7 @@
           <a:p>
             <a:fld id="{703E4721-E13C-4B5E-8047-1BB26AD24A02}" type="datetimeFigureOut">
               <a:rPr lang="zh-TW" altLang="en-US" smtClean="0"/>
-              <a:t>2024/1/4</a:t>
+              <a:t>2024/1/12</a:t>
             </a:fld>
             <a:endParaRPr lang="zh-TW" altLang="en-US"/>
           </a:p>
@@ -1417,7 +1439,7 @@
           <a:p>
             <a:fld id="{703E4721-E13C-4B5E-8047-1BB26AD24A02}" type="datetimeFigureOut">
               <a:rPr lang="zh-TW" altLang="en-US" smtClean="0"/>
-              <a:t>2024/1/4</a:t>
+              <a:t>2024/1/12</a:t>
             </a:fld>
             <a:endParaRPr lang="zh-TW" altLang="en-US"/>
           </a:p>
@@ -1829,7 +1851,7 @@
           <a:p>
             <a:fld id="{703E4721-E13C-4B5E-8047-1BB26AD24A02}" type="datetimeFigureOut">
               <a:rPr lang="zh-TW" altLang="en-US" smtClean="0"/>
-              <a:t>2024/1/4</a:t>
+              <a:t>2024/1/12</a:t>
             </a:fld>
             <a:endParaRPr lang="zh-TW" altLang="en-US"/>
           </a:p>
@@ -1970,7 +1992,7 @@
           <a:p>
             <a:fld id="{703E4721-E13C-4B5E-8047-1BB26AD24A02}" type="datetimeFigureOut">
               <a:rPr lang="zh-TW" altLang="en-US" smtClean="0"/>
-              <a:t>2024/1/4</a:t>
+              <a:t>2024/1/12</a:t>
             </a:fld>
             <a:endParaRPr lang="zh-TW" altLang="en-US"/>
           </a:p>
@@ -2083,7 +2105,7 @@
           <a:p>
             <a:fld id="{703E4721-E13C-4B5E-8047-1BB26AD24A02}" type="datetimeFigureOut">
               <a:rPr lang="zh-TW" altLang="en-US" smtClean="0"/>
-              <a:t>2024/1/4</a:t>
+              <a:t>2024/1/12</a:t>
             </a:fld>
             <a:endParaRPr lang="zh-TW" altLang="en-US"/>
           </a:p>
@@ -2394,7 +2416,7 @@
           <a:p>
             <a:fld id="{703E4721-E13C-4B5E-8047-1BB26AD24A02}" type="datetimeFigureOut">
               <a:rPr lang="zh-TW" altLang="en-US" smtClean="0"/>
-              <a:t>2024/1/4</a:t>
+              <a:t>2024/1/12</a:t>
             </a:fld>
             <a:endParaRPr lang="zh-TW" altLang="en-US"/>
           </a:p>
@@ -2682,7 +2704,7 @@
           <a:p>
             <a:fld id="{703E4721-E13C-4B5E-8047-1BB26AD24A02}" type="datetimeFigureOut">
               <a:rPr lang="zh-TW" altLang="en-US" smtClean="0"/>
-              <a:t>2024/1/4</a:t>
+              <a:t>2024/1/12</a:t>
             </a:fld>
             <a:endParaRPr lang="zh-TW" altLang="en-US"/>
           </a:p>
@@ -2923,7 +2945,7 @@
           <a:p>
             <a:fld id="{703E4721-E13C-4B5E-8047-1BB26AD24A02}" type="datetimeFigureOut">
               <a:rPr lang="zh-TW" altLang="en-US" smtClean="0"/>
-              <a:t>2024/1/4</a:t>
+              <a:t>2024/1/12</a:t>
             </a:fld>
             <a:endParaRPr lang="zh-TW" altLang="en-US"/>
           </a:p>
@@ -3430,10 +3452,40 @@
           <a:chExt cx="0" cy="0"/>
         </a:xfrm>
       </p:grpSpPr>
+      <p:pic>
+        <p:nvPicPr>
+          <p:cNvPr id="2" name="圖片 1">
+            <a:extLst>
+              <a:ext uri="{FF2B5EF4-FFF2-40B4-BE49-F238E27FC236}">
+                <a16:creationId xmlns:a16="http://schemas.microsoft.com/office/drawing/2014/main" id="{BB93DF9D-7686-4262-8E1A-7895B7811109}"/>
+              </a:ext>
+            </a:extLst>
+          </p:cNvPr>
+          <p:cNvPicPr>
+            <a:picLocks noChangeAspect="1"/>
+          </p:cNvPicPr>
+          <p:nvPr/>
+        </p:nvPicPr>
+        <p:blipFill>
+          <a:blip r:embed="rId2"/>
+          <a:stretch>
+            <a:fillRect/>
+          </a:stretch>
+        </p:blipFill>
+        <p:spPr>
+          <a:xfrm>
+            <a:off x="0" y="831850"/>
+            <a:ext cx="12192000" cy="5194300"/>
+          </a:xfrm>
+          <a:prstGeom prst="rect">
+            <a:avLst/>
+          </a:prstGeom>
+        </p:spPr>
+      </p:pic>
     </p:spTree>
     <p:extLst>
       <p:ext uri="{BB962C8B-B14F-4D97-AF65-F5344CB8AC3E}">
-        <p14:creationId xmlns:p14="http://schemas.microsoft.com/office/powerpoint/2010/main" val="2695774928"/>
+        <p14:creationId xmlns:p14="http://schemas.microsoft.com/office/powerpoint/2010/main" val="843755022"/>
       </p:ext>
     </p:extLst>
   </p:cSld>
@@ -3460,10 +3512,50 @@
           <a:chExt cx="0" cy="0"/>
         </a:xfrm>
       </p:grpSpPr>
+      <p:sp>
+        <p:nvSpPr>
+          <p:cNvPr id="2" name="文字方塊 1">
+            <a:extLst>
+              <a:ext uri="{FF2B5EF4-FFF2-40B4-BE49-F238E27FC236}">
+                <a16:creationId xmlns:a16="http://schemas.microsoft.com/office/drawing/2014/main" id="{6207E7AE-EB9B-407A-A44F-8B3DA90FD2D5}"/>
+              </a:ext>
+            </a:extLst>
+          </p:cNvPr>
+          <p:cNvSpPr txBox="1"/>
+          <p:nvPr/>
+        </p:nvSpPr>
+        <p:spPr>
+          <a:xfrm>
+            <a:off x="2495550" y="2381250"/>
+            <a:ext cx="7429500" cy="2123658"/>
+          </a:xfrm>
+          <a:prstGeom prst="rect">
+            <a:avLst/>
+          </a:prstGeom>
+          <a:noFill/>
+        </p:spPr>
+        <p:txBody>
+          <a:bodyPr wrap="square" rtlCol="0">
+            <a:spAutoFit/>
+          </a:bodyPr>
+          <a:lstStyle/>
+          <a:p>
+            <a:r>
+              <a:rPr lang="zh-TW" altLang="en-US" sz="6600" dirty="0"/>
+              <a:t>小米手環上傳到</a:t>
+            </a:r>
+            <a:r>
+              <a:rPr lang="en-US" altLang="zh-TW" sz="6600" dirty="0"/>
+              <a:t>firebase</a:t>
+            </a:r>
+            <a:endParaRPr lang="zh-TW" altLang="en-US" sz="6600" dirty="0"/>
+          </a:p>
+        </p:txBody>
+      </p:sp>
     </p:spTree>
     <p:extLst>
       <p:ext uri="{BB962C8B-B14F-4D97-AF65-F5344CB8AC3E}">
-        <p14:creationId xmlns:p14="http://schemas.microsoft.com/office/powerpoint/2010/main" val="843755022"/>
+        <p14:creationId xmlns:p14="http://schemas.microsoft.com/office/powerpoint/2010/main" val="2695774928"/>
       </p:ext>
     </p:extLst>
   </p:cSld>
@@ -3490,6 +3582,96 @@
           <a:chExt cx="0" cy="0"/>
         </a:xfrm>
       </p:grpSpPr>
+      <p:pic>
+        <p:nvPicPr>
+          <p:cNvPr id="2" name="圖片 1">
+            <a:extLst>
+              <a:ext uri="{FF2B5EF4-FFF2-40B4-BE49-F238E27FC236}">
+                <a16:creationId xmlns:a16="http://schemas.microsoft.com/office/drawing/2014/main" id="{76FD6B77-379A-4FF6-B4A8-391A44315758}"/>
+              </a:ext>
+            </a:extLst>
+          </p:cNvPr>
+          <p:cNvPicPr>
+            <a:picLocks noChangeAspect="1"/>
+          </p:cNvPicPr>
+          <p:nvPr/>
+        </p:nvPicPr>
+        <p:blipFill>
+          <a:blip r:embed="rId2"/>
+          <a:stretch>
+            <a:fillRect/>
+          </a:stretch>
+        </p:blipFill>
+        <p:spPr>
+          <a:xfrm>
+            <a:off x="383990" y="679422"/>
+            <a:ext cx="7175869" cy="1098606"/>
+          </a:xfrm>
+          <a:prstGeom prst="rect">
+            <a:avLst/>
+          </a:prstGeom>
+        </p:spPr>
+      </p:pic>
+      <p:pic>
+        <p:nvPicPr>
+          <p:cNvPr id="5" name="圖片 4">
+            <a:extLst>
+              <a:ext uri="{FF2B5EF4-FFF2-40B4-BE49-F238E27FC236}">
+                <a16:creationId xmlns:a16="http://schemas.microsoft.com/office/drawing/2014/main" id="{3FD278D8-9CA9-4148-A988-1519599BE804}"/>
+              </a:ext>
+            </a:extLst>
+          </p:cNvPr>
+          <p:cNvPicPr>
+            <a:picLocks noChangeAspect="1"/>
+          </p:cNvPicPr>
+          <p:nvPr/>
+        </p:nvPicPr>
+        <p:blipFill>
+          <a:blip r:embed="rId3"/>
+          <a:stretch>
+            <a:fillRect/>
+          </a:stretch>
+        </p:blipFill>
+        <p:spPr>
+          <a:xfrm>
+            <a:off x="6854784" y="2844732"/>
+            <a:ext cx="3332998" cy="1943124"/>
+          </a:xfrm>
+          <a:prstGeom prst="rect">
+            <a:avLst/>
+          </a:prstGeom>
+        </p:spPr>
+      </p:pic>
+      <p:pic>
+        <p:nvPicPr>
+          <p:cNvPr id="6" name="圖片 5">
+            <a:extLst>
+              <a:ext uri="{FF2B5EF4-FFF2-40B4-BE49-F238E27FC236}">
+                <a16:creationId xmlns:a16="http://schemas.microsoft.com/office/drawing/2014/main" id="{96756F74-82B9-4F35-8C34-625B620E5490}"/>
+              </a:ext>
+            </a:extLst>
+          </p:cNvPr>
+          <p:cNvPicPr>
+            <a:picLocks noChangeAspect="1"/>
+          </p:cNvPicPr>
+          <p:nvPr/>
+        </p:nvPicPr>
+        <p:blipFill>
+          <a:blip r:embed="rId4"/>
+          <a:stretch>
+            <a:fillRect/>
+          </a:stretch>
+        </p:blipFill>
+        <p:spPr>
+          <a:xfrm>
+            <a:off x="2505076" y="2344837"/>
+            <a:ext cx="2117766" cy="3833741"/>
+          </a:xfrm>
+          <a:prstGeom prst="rect">
+            <a:avLst/>
+          </a:prstGeom>
+        </p:spPr>
+      </p:pic>
     </p:spTree>
     <p:extLst>
       <p:ext uri="{BB962C8B-B14F-4D97-AF65-F5344CB8AC3E}">
@@ -3520,6 +3702,126 @@
           <a:chExt cx="0" cy="0"/>
         </a:xfrm>
       </p:grpSpPr>
+      <p:pic>
+        <p:nvPicPr>
+          <p:cNvPr id="6" name="圖片 5">
+            <a:extLst>
+              <a:ext uri="{FF2B5EF4-FFF2-40B4-BE49-F238E27FC236}">
+                <a16:creationId xmlns:a16="http://schemas.microsoft.com/office/drawing/2014/main" id="{40D22949-5EC9-43CD-A8E7-D1C21A34A285}"/>
+              </a:ext>
+            </a:extLst>
+          </p:cNvPr>
+          <p:cNvPicPr>
+            <a:picLocks noChangeAspect="1"/>
+          </p:cNvPicPr>
+          <p:nvPr/>
+        </p:nvPicPr>
+        <p:blipFill>
+          <a:blip r:embed="rId2"/>
+          <a:stretch>
+            <a:fillRect/>
+          </a:stretch>
+        </p:blipFill>
+        <p:spPr>
+          <a:xfrm>
+            <a:off x="850945" y="3429000"/>
+            <a:ext cx="3098842" cy="2626752"/>
+          </a:xfrm>
+          <a:prstGeom prst="rect">
+            <a:avLst/>
+          </a:prstGeom>
+        </p:spPr>
+      </p:pic>
+      <p:pic>
+        <p:nvPicPr>
+          <p:cNvPr id="7" name="圖片 6">
+            <a:extLst>
+              <a:ext uri="{FF2B5EF4-FFF2-40B4-BE49-F238E27FC236}">
+                <a16:creationId xmlns:a16="http://schemas.microsoft.com/office/drawing/2014/main" id="{F838706C-8ADD-4680-B2CD-D72C827D30B0}"/>
+              </a:ext>
+            </a:extLst>
+          </p:cNvPr>
+          <p:cNvPicPr>
+            <a:picLocks noChangeAspect="1"/>
+          </p:cNvPicPr>
+          <p:nvPr/>
+        </p:nvPicPr>
+        <p:blipFill>
+          <a:blip r:embed="rId3"/>
+          <a:stretch>
+            <a:fillRect/>
+          </a:stretch>
+        </p:blipFill>
+        <p:spPr>
+          <a:xfrm>
+            <a:off x="4824391" y="3667088"/>
+            <a:ext cx="2543218" cy="2192429"/>
+          </a:xfrm>
+          <a:prstGeom prst="rect">
+            <a:avLst/>
+          </a:prstGeom>
+        </p:spPr>
+      </p:pic>
+      <p:pic>
+        <p:nvPicPr>
+          <p:cNvPr id="8" name="圖片 7">
+            <a:extLst>
+              <a:ext uri="{FF2B5EF4-FFF2-40B4-BE49-F238E27FC236}">
+                <a16:creationId xmlns:a16="http://schemas.microsoft.com/office/drawing/2014/main" id="{F9BDBE23-415F-47F5-A5D9-C1805152B4F2}"/>
+              </a:ext>
+            </a:extLst>
+          </p:cNvPr>
+          <p:cNvPicPr>
+            <a:picLocks noChangeAspect="1"/>
+          </p:cNvPicPr>
+          <p:nvPr/>
+        </p:nvPicPr>
+        <p:blipFill>
+          <a:blip r:embed="rId4"/>
+          <a:stretch>
+            <a:fillRect/>
+          </a:stretch>
+        </p:blipFill>
+        <p:spPr>
+          <a:xfrm>
+            <a:off x="8108863" y="3615522"/>
+            <a:ext cx="2880078" cy="2295560"/>
+          </a:xfrm>
+          <a:prstGeom prst="rect">
+            <a:avLst/>
+          </a:prstGeom>
+        </p:spPr>
+      </p:pic>
+      <p:pic>
+        <p:nvPicPr>
+          <p:cNvPr id="9" name="圖片 8">
+            <a:extLst>
+              <a:ext uri="{FF2B5EF4-FFF2-40B4-BE49-F238E27FC236}">
+                <a16:creationId xmlns:a16="http://schemas.microsoft.com/office/drawing/2014/main" id="{A76BC0F6-8EF9-4962-B87D-4796F0679A3B}"/>
+              </a:ext>
+            </a:extLst>
+          </p:cNvPr>
+          <p:cNvPicPr>
+            <a:picLocks noChangeAspect="1"/>
+          </p:cNvPicPr>
+          <p:nvPr/>
+        </p:nvPicPr>
+        <p:blipFill>
+          <a:blip r:embed="rId5"/>
+          <a:stretch>
+            <a:fillRect/>
+          </a:stretch>
+        </p:blipFill>
+        <p:spPr>
+          <a:xfrm>
+            <a:off x="488883" y="542479"/>
+            <a:ext cx="3244917" cy="2264267"/>
+          </a:xfrm>
+          <a:prstGeom prst="rect">
+            <a:avLst/>
+          </a:prstGeom>
+        </p:spPr>
+      </p:pic>
     </p:spTree>
     <p:extLst>
       <p:ext uri="{BB962C8B-B14F-4D97-AF65-F5344CB8AC3E}">
@@ -3550,10 +3852,1423 @@
           <a:chExt cx="0" cy="0"/>
         </a:xfrm>
       </p:grpSpPr>
+      <p:pic>
+        <p:nvPicPr>
+          <p:cNvPr id="2" name="圖片 1">
+            <a:extLst>
+              <a:ext uri="{FF2B5EF4-FFF2-40B4-BE49-F238E27FC236}">
+                <a16:creationId xmlns:a16="http://schemas.microsoft.com/office/drawing/2014/main" id="{77CE072E-0A88-4256-BE56-A4E734DBF365}"/>
+              </a:ext>
+            </a:extLst>
+          </p:cNvPr>
+          <p:cNvPicPr>
+            <a:picLocks noChangeAspect="1"/>
+          </p:cNvPicPr>
+          <p:nvPr/>
+        </p:nvPicPr>
+        <p:blipFill>
+          <a:blip r:embed="rId2"/>
+          <a:stretch>
+            <a:fillRect/>
+          </a:stretch>
+        </p:blipFill>
+        <p:spPr>
+          <a:xfrm>
+            <a:off x="777798" y="4391067"/>
+            <a:ext cx="4792632" cy="1025542"/>
+          </a:xfrm>
+          <a:prstGeom prst="rect">
+            <a:avLst/>
+          </a:prstGeom>
+        </p:spPr>
+      </p:pic>
+      <p:pic>
+        <p:nvPicPr>
+          <p:cNvPr id="4" name="圖片 3">
+            <a:extLst>
+              <a:ext uri="{FF2B5EF4-FFF2-40B4-BE49-F238E27FC236}">
+                <a16:creationId xmlns:a16="http://schemas.microsoft.com/office/drawing/2014/main" id="{4B077417-A155-4857-AD96-31883624A7CA}"/>
+              </a:ext>
+            </a:extLst>
+          </p:cNvPr>
+          <p:cNvPicPr>
+            <a:picLocks noChangeAspect="1"/>
+          </p:cNvPicPr>
+          <p:nvPr/>
+        </p:nvPicPr>
+        <p:blipFill>
+          <a:blip r:embed="rId3"/>
+          <a:stretch>
+            <a:fillRect/>
+          </a:stretch>
+        </p:blipFill>
+        <p:spPr>
+          <a:xfrm>
+            <a:off x="6751530" y="3429000"/>
+            <a:ext cx="2959252" cy="2298818"/>
+          </a:xfrm>
+          <a:prstGeom prst="rect">
+            <a:avLst/>
+          </a:prstGeom>
+        </p:spPr>
+      </p:pic>
+      <p:pic>
+        <p:nvPicPr>
+          <p:cNvPr id="5" name="圖片 4">
+            <a:extLst>
+              <a:ext uri="{FF2B5EF4-FFF2-40B4-BE49-F238E27FC236}">
+                <a16:creationId xmlns:a16="http://schemas.microsoft.com/office/drawing/2014/main" id="{0710D724-D860-4AD2-8400-4DF184020371}"/>
+              </a:ext>
+            </a:extLst>
+          </p:cNvPr>
+          <p:cNvPicPr>
+            <a:picLocks noChangeAspect="1"/>
+          </p:cNvPicPr>
+          <p:nvPr/>
+        </p:nvPicPr>
+        <p:blipFill>
+          <a:blip r:embed="rId4"/>
+          <a:stretch>
+            <a:fillRect/>
+          </a:stretch>
+        </p:blipFill>
+        <p:spPr>
+          <a:xfrm>
+            <a:off x="596539" y="612758"/>
+            <a:ext cx="10998922" cy="1155720"/>
+          </a:xfrm>
+          <a:prstGeom prst="rect">
+            <a:avLst/>
+          </a:prstGeom>
+        </p:spPr>
+      </p:pic>
+      <p:pic>
+        <p:nvPicPr>
+          <p:cNvPr id="6" name="圖片 5">
+            <a:extLst>
+              <a:ext uri="{FF2B5EF4-FFF2-40B4-BE49-F238E27FC236}">
+                <a16:creationId xmlns:a16="http://schemas.microsoft.com/office/drawing/2014/main" id="{C982D483-69E2-4A19-921C-D7BAAD4A85E2}"/>
+              </a:ext>
+            </a:extLst>
+          </p:cNvPr>
+          <p:cNvPicPr>
+            <a:picLocks noChangeAspect="1"/>
+          </p:cNvPicPr>
+          <p:nvPr/>
+        </p:nvPicPr>
+        <p:blipFill>
+          <a:blip r:embed="rId5"/>
+          <a:stretch>
+            <a:fillRect/>
+          </a:stretch>
+        </p:blipFill>
+        <p:spPr>
+          <a:xfrm>
+            <a:off x="6200748" y="3343276"/>
+            <a:ext cx="1657167" cy="479432"/>
+          </a:xfrm>
+          <a:prstGeom prst="rect">
+            <a:avLst/>
+          </a:prstGeom>
+        </p:spPr>
+      </p:pic>
+      <p:pic>
+        <p:nvPicPr>
+          <p:cNvPr id="7" name="圖片 6">
+            <a:extLst>
+              <a:ext uri="{FF2B5EF4-FFF2-40B4-BE49-F238E27FC236}">
+                <a16:creationId xmlns:a16="http://schemas.microsoft.com/office/drawing/2014/main" id="{C4F1A5B9-4BC9-4727-88AD-C466C4AFC4E4}"/>
+              </a:ext>
+            </a:extLst>
+          </p:cNvPr>
+          <p:cNvPicPr>
+            <a:picLocks noChangeAspect="1"/>
+          </p:cNvPicPr>
+          <p:nvPr/>
+        </p:nvPicPr>
+        <p:blipFill>
+          <a:blip r:embed="rId6"/>
+          <a:stretch>
+            <a:fillRect/>
+          </a:stretch>
+        </p:blipFill>
+        <p:spPr>
+          <a:xfrm>
+            <a:off x="326985" y="4086251"/>
+            <a:ext cx="1536779" cy="609631"/>
+          </a:xfrm>
+          <a:prstGeom prst="rect">
+            <a:avLst/>
+          </a:prstGeom>
+        </p:spPr>
+      </p:pic>
+      <p:pic>
+        <p:nvPicPr>
+          <p:cNvPr id="8" name="圖片 7">
+            <a:extLst>
+              <a:ext uri="{FF2B5EF4-FFF2-40B4-BE49-F238E27FC236}">
+                <a16:creationId xmlns:a16="http://schemas.microsoft.com/office/drawing/2014/main" id="{5EA456EE-35C5-4785-84BC-0A0D54D08833}"/>
+              </a:ext>
+            </a:extLst>
+          </p:cNvPr>
+          <p:cNvPicPr>
+            <a:picLocks noChangeAspect="1"/>
+          </p:cNvPicPr>
+          <p:nvPr/>
+        </p:nvPicPr>
+        <p:blipFill>
+          <a:blip r:embed="rId4"/>
+          <a:stretch>
+            <a:fillRect/>
+          </a:stretch>
+        </p:blipFill>
+        <p:spPr>
+          <a:xfrm>
+            <a:off x="777798" y="1935155"/>
+            <a:ext cx="10998922" cy="1155720"/>
+          </a:xfrm>
+          <a:prstGeom prst="rect">
+            <a:avLst/>
+          </a:prstGeom>
+        </p:spPr>
+      </p:pic>
+      <p:sp>
+        <p:nvSpPr>
+          <p:cNvPr id="9" name="矩形 8">
+            <a:extLst>
+              <a:ext uri="{FF2B5EF4-FFF2-40B4-BE49-F238E27FC236}">
+                <a16:creationId xmlns:a16="http://schemas.microsoft.com/office/drawing/2014/main" id="{128E1EE6-027D-407B-8254-836F0A159AC5}"/>
+              </a:ext>
+            </a:extLst>
+          </p:cNvPr>
+          <p:cNvSpPr/>
+          <p:nvPr/>
+        </p:nvSpPr>
+        <p:spPr>
+          <a:xfrm>
+            <a:off x="6885419" y="2571722"/>
+            <a:ext cx="4891302" cy="391611"/>
+          </a:xfrm>
+          <a:prstGeom prst="rect">
+            <a:avLst/>
+          </a:prstGeom>
+          <a:noFill/>
+          <a:ln w="28575">
+            <a:solidFill>
+              <a:srgbClr val="FF0000"/>
+            </a:solidFill>
+          </a:ln>
+        </p:spPr>
+        <p:style>
+          <a:lnRef idx="2">
+            <a:schemeClr val="accent1">
+              <a:shade val="50000"/>
+            </a:schemeClr>
+          </a:lnRef>
+          <a:fillRef idx="1">
+            <a:schemeClr val="accent1"/>
+          </a:fillRef>
+          <a:effectRef idx="0">
+            <a:schemeClr val="accent1"/>
+          </a:effectRef>
+          <a:fontRef idx="minor">
+            <a:schemeClr val="lt1"/>
+          </a:fontRef>
+        </p:style>
+        <p:txBody>
+          <a:bodyPr rtlCol="0" anchor="ctr"/>
+          <a:lstStyle/>
+          <a:p>
+            <a:pPr algn="ctr"/>
+            <a:endParaRPr lang="zh-TW" altLang="en-US" dirty="0"/>
+          </a:p>
+        </p:txBody>
+      </p:sp>
     </p:spTree>
     <p:extLst>
       <p:ext uri="{BB962C8B-B14F-4D97-AF65-F5344CB8AC3E}">
-        <p14:creationId xmlns:p14="http://schemas.microsoft.com/office/powerpoint/2010/main" val="1331382711"/>
+        <p14:creationId xmlns:p14="http://schemas.microsoft.com/office/powerpoint/2010/main" val="2018215506"/>
+      </p:ext>
+    </p:extLst>
+  </p:cSld>
+  <p:clrMapOvr>
+    <a:masterClrMapping/>
+  </p:clrMapOvr>
+</p:sld>
+</file>
+
+<file path=ppt/slides/slide16.xml><?xml version="1.0" encoding="utf-8"?>
+<p:sld xmlns:a="http://schemas.openxmlformats.org/drawingml/2006/main" xmlns:r="http://schemas.openxmlformats.org/officeDocument/2006/relationships" xmlns:p="http://schemas.openxmlformats.org/presentationml/2006/main">
+  <p:cSld>
+    <p:spTree>
+      <p:nvGrpSpPr>
+        <p:cNvPr id="1" name=""/>
+        <p:cNvGrpSpPr/>
+        <p:nvPr/>
+      </p:nvGrpSpPr>
+      <p:grpSpPr>
+        <a:xfrm>
+          <a:off x="0" y="0"/>
+          <a:ext cx="0" cy="0"/>
+          <a:chOff x="0" y="0"/>
+          <a:chExt cx="0" cy="0"/>
+        </a:xfrm>
+      </p:grpSpPr>
+      <p:pic>
+        <p:nvPicPr>
+          <p:cNvPr id="2" name="圖片 1">
+            <a:extLst>
+              <a:ext uri="{FF2B5EF4-FFF2-40B4-BE49-F238E27FC236}">
+                <a16:creationId xmlns:a16="http://schemas.microsoft.com/office/drawing/2014/main" id="{6B5B41CC-1921-4971-AD5B-A8EA5CFADF59}"/>
+              </a:ext>
+            </a:extLst>
+          </p:cNvPr>
+          <p:cNvPicPr>
+            <a:picLocks noChangeAspect="1"/>
+          </p:cNvPicPr>
+          <p:nvPr/>
+        </p:nvPicPr>
+        <p:blipFill>
+          <a:blip r:embed="rId2"/>
+          <a:stretch>
+            <a:fillRect/>
+          </a:stretch>
+        </p:blipFill>
+        <p:spPr>
+          <a:xfrm>
+            <a:off x="949251" y="3006681"/>
+            <a:ext cx="2883048" cy="1701887"/>
+          </a:xfrm>
+          <a:prstGeom prst="rect">
+            <a:avLst/>
+          </a:prstGeom>
+        </p:spPr>
+      </p:pic>
+      <p:pic>
+        <p:nvPicPr>
+          <p:cNvPr id="3" name="圖片 2">
+            <a:extLst>
+              <a:ext uri="{FF2B5EF4-FFF2-40B4-BE49-F238E27FC236}">
+                <a16:creationId xmlns:a16="http://schemas.microsoft.com/office/drawing/2014/main" id="{A20AC054-C01D-47F7-A327-E9474E08F6F2}"/>
+              </a:ext>
+            </a:extLst>
+          </p:cNvPr>
+          <p:cNvPicPr>
+            <a:picLocks noChangeAspect="1"/>
+          </p:cNvPicPr>
+          <p:nvPr/>
+        </p:nvPicPr>
+        <p:blipFill>
+          <a:blip r:embed="rId3"/>
+          <a:stretch>
+            <a:fillRect/>
+          </a:stretch>
+        </p:blipFill>
+        <p:spPr>
+          <a:xfrm>
+            <a:off x="5286292" y="1403255"/>
+            <a:ext cx="3238666" cy="3689540"/>
+          </a:xfrm>
+          <a:prstGeom prst="rect">
+            <a:avLst/>
+          </a:prstGeom>
+        </p:spPr>
+      </p:pic>
+      <p:pic>
+        <p:nvPicPr>
+          <p:cNvPr id="4" name="圖片 3">
+            <a:extLst>
+              <a:ext uri="{FF2B5EF4-FFF2-40B4-BE49-F238E27FC236}">
+                <a16:creationId xmlns:a16="http://schemas.microsoft.com/office/drawing/2014/main" id="{75E10EF4-2D1E-4412-A023-947A04FE3853}"/>
+              </a:ext>
+            </a:extLst>
+          </p:cNvPr>
+          <p:cNvPicPr>
+            <a:picLocks noChangeAspect="1"/>
+          </p:cNvPicPr>
+          <p:nvPr/>
+        </p:nvPicPr>
+        <p:blipFill>
+          <a:blip r:embed="rId4"/>
+          <a:stretch>
+            <a:fillRect/>
+          </a:stretch>
+        </p:blipFill>
+        <p:spPr>
+          <a:xfrm>
+            <a:off x="308689" y="320666"/>
+            <a:ext cx="2269440" cy="631833"/>
+          </a:xfrm>
+          <a:prstGeom prst="rect">
+            <a:avLst/>
+          </a:prstGeom>
+        </p:spPr>
+      </p:pic>
+    </p:spTree>
+    <p:extLst>
+      <p:ext uri="{BB962C8B-B14F-4D97-AF65-F5344CB8AC3E}">
+        <p14:creationId xmlns:p14="http://schemas.microsoft.com/office/powerpoint/2010/main" val="2462329956"/>
+      </p:ext>
+    </p:extLst>
+  </p:cSld>
+  <p:clrMapOvr>
+    <a:masterClrMapping/>
+  </p:clrMapOvr>
+</p:sld>
+</file>
+
+<file path=ppt/slides/slide17.xml><?xml version="1.0" encoding="utf-8"?>
+<p:sld xmlns:a="http://schemas.openxmlformats.org/drawingml/2006/main" xmlns:r="http://schemas.openxmlformats.org/officeDocument/2006/relationships" xmlns:p="http://schemas.openxmlformats.org/presentationml/2006/main">
+  <p:cSld>
+    <p:spTree>
+      <p:nvGrpSpPr>
+        <p:cNvPr id="1" name=""/>
+        <p:cNvGrpSpPr/>
+        <p:nvPr/>
+      </p:nvGrpSpPr>
+      <p:grpSpPr>
+        <a:xfrm>
+          <a:off x="0" y="0"/>
+          <a:ext cx="0" cy="0"/>
+          <a:chOff x="0" y="0"/>
+          <a:chExt cx="0" cy="0"/>
+        </a:xfrm>
+      </p:grpSpPr>
+      <p:sp>
+        <p:nvSpPr>
+          <p:cNvPr id="2" name="矩形 1">
+            <a:extLst>
+              <a:ext uri="{FF2B5EF4-FFF2-40B4-BE49-F238E27FC236}">
+                <a16:creationId xmlns:a16="http://schemas.microsoft.com/office/drawing/2014/main" id="{CC951CE8-742D-4878-B8DC-1EB7B679134B}"/>
+              </a:ext>
+            </a:extLst>
+          </p:cNvPr>
+          <p:cNvSpPr/>
+          <p:nvPr/>
+        </p:nvSpPr>
+        <p:spPr>
+          <a:xfrm>
+            <a:off x="190500" y="3659565"/>
+            <a:ext cx="6096000" cy="2862322"/>
+          </a:xfrm>
+          <a:prstGeom prst="rect">
+            <a:avLst/>
+          </a:prstGeom>
+          <a:ln>
+            <a:solidFill>
+              <a:schemeClr val="tx1"/>
+            </a:solidFill>
+          </a:ln>
+        </p:spPr>
+        <p:txBody>
+          <a:bodyPr>
+            <a:spAutoFit/>
+          </a:bodyPr>
+          <a:lstStyle/>
+          <a:p>
+            <a:r>
+              <a:rPr lang="en-US" altLang="zh-TW" dirty="0">
+                <a:solidFill>
+                  <a:srgbClr val="0000FF"/>
+                </a:solidFill>
+                <a:latin typeface="Consolas" panose="020B0609020204030204" pitchFamily="49" charset="0"/>
+              </a:rPr>
+              <a:t>var</a:t>
+            </a:r>
+            <a:r>
+              <a:rPr lang="en-US" altLang="zh-TW" dirty="0">
+                <a:solidFill>
+                  <a:srgbClr val="000000"/>
+                </a:solidFill>
+                <a:latin typeface="Consolas" panose="020B0609020204030204" pitchFamily="49" charset="0"/>
+              </a:rPr>
+              <a:t> data = </a:t>
+            </a:r>
+            <a:r>
+              <a:rPr lang="en-US" altLang="zh-TW" dirty="0" err="1">
+                <a:solidFill>
+                  <a:srgbClr val="000000"/>
+                </a:solidFill>
+                <a:latin typeface="Consolas" panose="020B0609020204030204" pitchFamily="49" charset="0"/>
+              </a:rPr>
+              <a:t>msg.payload.characteristics</a:t>
+            </a:r>
+            <a:r>
+              <a:rPr lang="en-US" altLang="zh-TW" dirty="0">
+                <a:solidFill>
+                  <a:srgbClr val="000000"/>
+                </a:solidFill>
+                <a:latin typeface="Consolas" panose="020B0609020204030204" pitchFamily="49" charset="0"/>
+              </a:rPr>
+              <a:t>[</a:t>
+            </a:r>
+            <a:r>
+              <a:rPr lang="en-US" altLang="zh-TW" dirty="0">
+                <a:solidFill>
+                  <a:srgbClr val="A31515"/>
+                </a:solidFill>
+                <a:latin typeface="Consolas" panose="020B0609020204030204" pitchFamily="49" charset="0"/>
+              </a:rPr>
+              <a:t>"000000070000351221180009af100700"</a:t>
+            </a:r>
+            <a:r>
+              <a:rPr lang="en-US" altLang="zh-TW" dirty="0">
+                <a:solidFill>
+                  <a:srgbClr val="000000"/>
+                </a:solidFill>
+                <a:latin typeface="Consolas" panose="020B0609020204030204" pitchFamily="49" charset="0"/>
+              </a:rPr>
+              <a:t>];</a:t>
+            </a:r>
+          </a:p>
+          <a:p>
+            <a:r>
+              <a:rPr lang="en-US" altLang="zh-TW" dirty="0">
+                <a:solidFill>
+                  <a:srgbClr val="0000FF"/>
+                </a:solidFill>
+                <a:latin typeface="Consolas" panose="020B0609020204030204" pitchFamily="49" charset="0"/>
+              </a:rPr>
+              <a:t>var</a:t>
+            </a:r>
+            <a:r>
+              <a:rPr lang="en-US" altLang="zh-TW" dirty="0">
+                <a:solidFill>
+                  <a:srgbClr val="000000"/>
+                </a:solidFill>
+                <a:latin typeface="Consolas" panose="020B0609020204030204" pitchFamily="49" charset="0"/>
+              </a:rPr>
+              <a:t> d = </a:t>
+            </a:r>
+            <a:r>
+              <a:rPr lang="en-US" altLang="zh-TW" dirty="0">
+                <a:solidFill>
+                  <a:srgbClr val="0000FF"/>
+                </a:solidFill>
+                <a:latin typeface="Consolas" panose="020B0609020204030204" pitchFamily="49" charset="0"/>
+              </a:rPr>
+              <a:t>new</a:t>
+            </a:r>
+            <a:r>
+              <a:rPr lang="en-US" altLang="zh-TW" dirty="0">
+                <a:solidFill>
+                  <a:srgbClr val="000000"/>
+                </a:solidFill>
+                <a:latin typeface="Consolas" panose="020B0609020204030204" pitchFamily="49" charset="0"/>
+              </a:rPr>
+              <a:t> </a:t>
+            </a:r>
+            <a:r>
+              <a:rPr lang="en-US" altLang="zh-TW" dirty="0">
+                <a:solidFill>
+                  <a:srgbClr val="008080"/>
+                </a:solidFill>
+                <a:latin typeface="Consolas" panose="020B0609020204030204" pitchFamily="49" charset="0"/>
+              </a:rPr>
+              <a:t>Date</a:t>
+            </a:r>
+            <a:r>
+              <a:rPr lang="en-US" altLang="zh-TW" dirty="0">
+                <a:solidFill>
+                  <a:srgbClr val="000000"/>
+                </a:solidFill>
+                <a:latin typeface="Consolas" panose="020B0609020204030204" pitchFamily="49" charset="0"/>
+              </a:rPr>
+              <a:t>();</a:t>
+            </a:r>
+          </a:p>
+          <a:p>
+            <a:r>
+              <a:rPr lang="en-US" altLang="zh-TW" dirty="0">
+                <a:solidFill>
+                  <a:srgbClr val="000000"/>
+                </a:solidFill>
+                <a:latin typeface="Consolas" panose="020B0609020204030204" pitchFamily="49" charset="0"/>
+              </a:rPr>
+              <a:t>msg.url = </a:t>
+            </a:r>
+            <a:r>
+              <a:rPr lang="en-US" altLang="zh-TW" dirty="0">
+                <a:solidFill>
+                  <a:srgbClr val="A31515"/>
+                </a:solidFill>
+                <a:latin typeface="Consolas" panose="020B0609020204030204" pitchFamily="49" charset="0"/>
+              </a:rPr>
+              <a:t>"https://aiotdemo-f60d9-default-rtdb.firebaseio.com/</a:t>
+            </a:r>
+            <a:r>
+              <a:rPr lang="en-US" altLang="zh-TW" dirty="0" err="1">
+                <a:solidFill>
+                  <a:srgbClr val="A31515"/>
+                </a:solidFill>
+                <a:latin typeface="Consolas" panose="020B0609020204030204" pitchFamily="49" charset="0"/>
+              </a:rPr>
+              <a:t>miband</a:t>
+            </a:r>
+            <a:r>
+              <a:rPr lang="en-US" altLang="zh-TW" dirty="0">
+                <a:solidFill>
+                  <a:srgbClr val="A31515"/>
+                </a:solidFill>
+                <a:latin typeface="Consolas" panose="020B0609020204030204" pitchFamily="49" charset="0"/>
+              </a:rPr>
+              <a:t>/</a:t>
+            </a:r>
+            <a:r>
+              <a:rPr lang="en-US" altLang="zh-TW" dirty="0" err="1">
+                <a:solidFill>
+                  <a:srgbClr val="A31515"/>
+                </a:solidFill>
+                <a:latin typeface="Consolas" panose="020B0609020204030204" pitchFamily="49" charset="0"/>
+              </a:rPr>
+              <a:t>users.json</a:t>
+            </a:r>
+            <a:r>
+              <a:rPr lang="en-US" altLang="zh-TW" dirty="0">
+                <a:solidFill>
+                  <a:srgbClr val="A31515"/>
+                </a:solidFill>
+                <a:latin typeface="Consolas" panose="020B0609020204030204" pitchFamily="49" charset="0"/>
+              </a:rPr>
+              <a:t>"</a:t>
+            </a:r>
+            <a:r>
+              <a:rPr lang="en-US" altLang="zh-TW" dirty="0">
+                <a:solidFill>
+                  <a:srgbClr val="000000"/>
+                </a:solidFill>
+                <a:latin typeface="Consolas" panose="020B0609020204030204" pitchFamily="49" charset="0"/>
+              </a:rPr>
+              <a:t>;</a:t>
+            </a:r>
+          </a:p>
+          <a:p>
+            <a:r>
+              <a:rPr lang="en-US" altLang="zh-TW" dirty="0" err="1">
+                <a:solidFill>
+                  <a:srgbClr val="000000"/>
+                </a:solidFill>
+                <a:latin typeface="Consolas" panose="020B0609020204030204" pitchFamily="49" charset="0"/>
+              </a:rPr>
+              <a:t>msg.payload</a:t>
+            </a:r>
+            <a:r>
+              <a:rPr lang="en-US" altLang="zh-TW" dirty="0">
+                <a:solidFill>
+                  <a:srgbClr val="000000"/>
+                </a:solidFill>
+                <a:latin typeface="Consolas" panose="020B0609020204030204" pitchFamily="49" charset="0"/>
+              </a:rPr>
+              <a:t> = { </a:t>
+            </a:r>
+            <a:r>
+              <a:rPr lang="en-US" altLang="zh-TW" dirty="0">
+                <a:solidFill>
+                  <a:srgbClr val="A31515"/>
+                </a:solidFill>
+                <a:latin typeface="Consolas" panose="020B0609020204030204" pitchFamily="49" charset="0"/>
+              </a:rPr>
+              <a:t>"</a:t>
+            </a:r>
+            <a:r>
+              <a:rPr lang="zh-TW" altLang="en-US" dirty="0">
+                <a:solidFill>
+                  <a:srgbClr val="A31515"/>
+                </a:solidFill>
+                <a:latin typeface="Consolas" panose="020B0609020204030204" pitchFamily="49" charset="0"/>
+              </a:rPr>
+              <a:t>步數</a:t>
+            </a:r>
+            <a:r>
+              <a:rPr lang="en-US" altLang="zh-TW" dirty="0">
+                <a:solidFill>
+                  <a:srgbClr val="A31515"/>
+                </a:solidFill>
+                <a:latin typeface="Consolas" panose="020B0609020204030204" pitchFamily="49" charset="0"/>
+              </a:rPr>
+              <a:t>"</a:t>
+            </a:r>
+            <a:r>
+              <a:rPr lang="en-US" altLang="zh-TW" dirty="0">
+                <a:solidFill>
+                  <a:srgbClr val="000000"/>
+                </a:solidFill>
+                <a:latin typeface="Consolas" panose="020B0609020204030204" pitchFamily="49" charset="0"/>
+              </a:rPr>
+              <a:t>: </a:t>
+            </a:r>
+            <a:r>
+              <a:rPr lang="en-US" altLang="zh-TW" dirty="0">
+                <a:solidFill>
+                  <a:srgbClr val="098658"/>
+                </a:solidFill>
+                <a:latin typeface="Consolas" panose="020B0609020204030204" pitchFamily="49" charset="0"/>
+              </a:rPr>
+              <a:t>7500</a:t>
+            </a:r>
+            <a:r>
+              <a:rPr lang="en-US" altLang="zh-TW" dirty="0">
+                <a:solidFill>
+                  <a:srgbClr val="000000"/>
+                </a:solidFill>
+                <a:latin typeface="Consolas" panose="020B0609020204030204" pitchFamily="49" charset="0"/>
+              </a:rPr>
+              <a:t>, </a:t>
+            </a:r>
+            <a:r>
+              <a:rPr lang="en-US" altLang="zh-TW" dirty="0">
+                <a:solidFill>
+                  <a:srgbClr val="A31515"/>
+                </a:solidFill>
+                <a:latin typeface="Consolas" panose="020B0609020204030204" pitchFamily="49" charset="0"/>
+              </a:rPr>
+              <a:t>"</a:t>
+            </a:r>
+            <a:r>
+              <a:rPr lang="zh-TW" altLang="en-US" dirty="0">
+                <a:solidFill>
+                  <a:srgbClr val="A31515"/>
+                </a:solidFill>
+                <a:latin typeface="Consolas" panose="020B0609020204030204" pitchFamily="49" charset="0"/>
+              </a:rPr>
+              <a:t>距離</a:t>
+            </a:r>
+            <a:r>
+              <a:rPr lang="en-US" altLang="zh-TW" dirty="0">
+                <a:solidFill>
+                  <a:srgbClr val="A31515"/>
+                </a:solidFill>
+                <a:latin typeface="Consolas" panose="020B0609020204030204" pitchFamily="49" charset="0"/>
+              </a:rPr>
+              <a:t>"</a:t>
+            </a:r>
+            <a:r>
+              <a:rPr lang="en-US" altLang="zh-TW" dirty="0">
+                <a:solidFill>
+                  <a:srgbClr val="000000"/>
+                </a:solidFill>
+                <a:latin typeface="Consolas" panose="020B0609020204030204" pitchFamily="49" charset="0"/>
+              </a:rPr>
+              <a:t>: data[</a:t>
+            </a:r>
+            <a:r>
+              <a:rPr lang="en-US" altLang="zh-TW" dirty="0">
+                <a:solidFill>
+                  <a:srgbClr val="098658"/>
+                </a:solidFill>
+                <a:latin typeface="Consolas" panose="020B0609020204030204" pitchFamily="49" charset="0"/>
+              </a:rPr>
+              <a:t>5</a:t>
+            </a:r>
+            <a:r>
+              <a:rPr lang="en-US" altLang="zh-TW" dirty="0">
+                <a:solidFill>
+                  <a:srgbClr val="000000"/>
+                </a:solidFill>
+                <a:latin typeface="Consolas" panose="020B0609020204030204" pitchFamily="49" charset="0"/>
+              </a:rPr>
+              <a:t>], </a:t>
+            </a:r>
+            <a:r>
+              <a:rPr lang="en-US" altLang="zh-TW" dirty="0">
+                <a:solidFill>
+                  <a:srgbClr val="A31515"/>
+                </a:solidFill>
+                <a:latin typeface="Consolas" panose="020B0609020204030204" pitchFamily="49" charset="0"/>
+              </a:rPr>
+              <a:t>"</a:t>
+            </a:r>
+            <a:r>
+              <a:rPr lang="zh-TW" altLang="en-US" dirty="0">
+                <a:solidFill>
+                  <a:srgbClr val="A31515"/>
+                </a:solidFill>
+                <a:latin typeface="Consolas" panose="020B0609020204030204" pitchFamily="49" charset="0"/>
+              </a:rPr>
+              <a:t>卡路里</a:t>
+            </a:r>
+            <a:r>
+              <a:rPr lang="en-US" altLang="zh-TW" dirty="0">
+                <a:solidFill>
+                  <a:srgbClr val="A31515"/>
+                </a:solidFill>
+                <a:latin typeface="Consolas" panose="020B0609020204030204" pitchFamily="49" charset="0"/>
+              </a:rPr>
+              <a:t>"</a:t>
+            </a:r>
+            <a:r>
+              <a:rPr lang="en-US" altLang="zh-TW" dirty="0">
+                <a:solidFill>
+                  <a:srgbClr val="000000"/>
+                </a:solidFill>
+                <a:latin typeface="Consolas" panose="020B0609020204030204" pitchFamily="49" charset="0"/>
+              </a:rPr>
+              <a:t>: data[</a:t>
+            </a:r>
+            <a:r>
+              <a:rPr lang="en-US" altLang="zh-TW" dirty="0">
+                <a:solidFill>
+                  <a:srgbClr val="098658"/>
+                </a:solidFill>
+                <a:latin typeface="Consolas" panose="020B0609020204030204" pitchFamily="49" charset="0"/>
+              </a:rPr>
+              <a:t>9</a:t>
+            </a:r>
+            <a:r>
+              <a:rPr lang="en-US" altLang="zh-TW" dirty="0">
+                <a:solidFill>
+                  <a:srgbClr val="000000"/>
+                </a:solidFill>
+                <a:latin typeface="Consolas" panose="020B0609020204030204" pitchFamily="49" charset="0"/>
+              </a:rPr>
+              <a:t>], </a:t>
+            </a:r>
+            <a:r>
+              <a:rPr lang="en-US" altLang="zh-TW" dirty="0">
+                <a:solidFill>
+                  <a:srgbClr val="A31515"/>
+                </a:solidFill>
+                <a:latin typeface="Consolas" panose="020B0609020204030204" pitchFamily="49" charset="0"/>
+              </a:rPr>
+              <a:t>"</a:t>
+            </a:r>
+            <a:r>
+              <a:rPr lang="en-US" altLang="zh-TW" dirty="0" err="1">
+                <a:solidFill>
+                  <a:srgbClr val="A31515"/>
+                </a:solidFill>
+                <a:latin typeface="Consolas" panose="020B0609020204030204" pitchFamily="49" charset="0"/>
+              </a:rPr>
+              <a:t>time"</a:t>
+            </a:r>
+            <a:r>
+              <a:rPr lang="en-US" altLang="zh-TW" dirty="0" err="1">
+                <a:solidFill>
+                  <a:srgbClr val="000000"/>
+                </a:solidFill>
+                <a:latin typeface="Consolas" panose="020B0609020204030204" pitchFamily="49" charset="0"/>
+              </a:rPr>
+              <a:t>:d</a:t>
+            </a:r>
+            <a:r>
+              <a:rPr lang="en-US" altLang="zh-TW" dirty="0">
+                <a:solidFill>
+                  <a:srgbClr val="000000"/>
+                </a:solidFill>
+                <a:latin typeface="Consolas" panose="020B0609020204030204" pitchFamily="49" charset="0"/>
+              </a:rPr>
+              <a:t>, </a:t>
+            </a:r>
+            <a:r>
+              <a:rPr lang="en-US" altLang="zh-TW" dirty="0">
+                <a:solidFill>
+                  <a:srgbClr val="A31515"/>
+                </a:solidFill>
+                <a:latin typeface="Consolas" panose="020B0609020204030204" pitchFamily="49" charset="0"/>
+              </a:rPr>
+              <a:t>"heart rate"</a:t>
+            </a:r>
+            <a:r>
+              <a:rPr lang="en-US" altLang="zh-TW" dirty="0">
+                <a:solidFill>
+                  <a:srgbClr val="000000"/>
+                </a:solidFill>
+                <a:latin typeface="Consolas" panose="020B0609020204030204" pitchFamily="49" charset="0"/>
+              </a:rPr>
+              <a:t>: </a:t>
+            </a:r>
+            <a:r>
+              <a:rPr lang="en-US" altLang="zh-TW" dirty="0">
+                <a:solidFill>
+                  <a:srgbClr val="098658"/>
+                </a:solidFill>
+                <a:latin typeface="Consolas" panose="020B0609020204030204" pitchFamily="49" charset="0"/>
+              </a:rPr>
+              <a:t>30</a:t>
+            </a:r>
+            <a:r>
+              <a:rPr lang="en-US" altLang="zh-TW" dirty="0">
+                <a:solidFill>
+                  <a:srgbClr val="000000"/>
+                </a:solidFill>
+                <a:latin typeface="Consolas" panose="020B0609020204030204" pitchFamily="49" charset="0"/>
+              </a:rPr>
+              <a:t>, </a:t>
+            </a:r>
+            <a:r>
+              <a:rPr lang="en-US" altLang="zh-TW" dirty="0">
+                <a:solidFill>
+                  <a:srgbClr val="A31515"/>
+                </a:solidFill>
+                <a:latin typeface="Consolas" panose="020B0609020204030204" pitchFamily="49" charset="0"/>
+              </a:rPr>
+              <a:t>"battery"</a:t>
+            </a:r>
+            <a:r>
+              <a:rPr lang="en-US" altLang="zh-TW" dirty="0">
+                <a:solidFill>
+                  <a:srgbClr val="000000"/>
+                </a:solidFill>
+                <a:latin typeface="Consolas" panose="020B0609020204030204" pitchFamily="49" charset="0"/>
+              </a:rPr>
+              <a:t>:</a:t>
+            </a:r>
+            <a:r>
+              <a:rPr lang="en-US" altLang="zh-TW" dirty="0">
+                <a:solidFill>
+                  <a:srgbClr val="A31515"/>
+                </a:solidFill>
+                <a:latin typeface="Consolas" panose="020B0609020204030204" pitchFamily="49" charset="0"/>
+              </a:rPr>
+              <a:t>"60%"</a:t>
+            </a:r>
+            <a:r>
+              <a:rPr lang="en-US" altLang="zh-TW" dirty="0">
+                <a:solidFill>
+                  <a:srgbClr val="000000"/>
+                </a:solidFill>
+                <a:latin typeface="Consolas" panose="020B0609020204030204" pitchFamily="49" charset="0"/>
+              </a:rPr>
+              <a:t> };</a:t>
+            </a:r>
+          </a:p>
+          <a:p>
+            <a:r>
+              <a:rPr lang="en-US" altLang="zh-TW" dirty="0">
+                <a:solidFill>
+                  <a:srgbClr val="0000FF"/>
+                </a:solidFill>
+                <a:latin typeface="Consolas" panose="020B0609020204030204" pitchFamily="49" charset="0"/>
+              </a:rPr>
+              <a:t>return</a:t>
+            </a:r>
+            <a:r>
+              <a:rPr lang="en-US" altLang="zh-TW" dirty="0">
+                <a:solidFill>
+                  <a:srgbClr val="000000"/>
+                </a:solidFill>
+                <a:latin typeface="Consolas" panose="020B0609020204030204" pitchFamily="49" charset="0"/>
+              </a:rPr>
+              <a:t> msg;</a:t>
+            </a:r>
+          </a:p>
+        </p:txBody>
+      </p:sp>
+      <p:pic>
+        <p:nvPicPr>
+          <p:cNvPr id="3" name="圖片 2">
+            <a:extLst>
+              <a:ext uri="{FF2B5EF4-FFF2-40B4-BE49-F238E27FC236}">
+                <a16:creationId xmlns:a16="http://schemas.microsoft.com/office/drawing/2014/main" id="{DFE669B1-90CF-457B-AAC3-6CF2F8B681EF}"/>
+              </a:ext>
+            </a:extLst>
+          </p:cNvPr>
+          <p:cNvPicPr>
+            <a:picLocks noChangeAspect="1"/>
+          </p:cNvPicPr>
+          <p:nvPr/>
+        </p:nvPicPr>
+        <p:blipFill>
+          <a:blip r:embed="rId2"/>
+          <a:stretch>
+            <a:fillRect/>
+          </a:stretch>
+        </p:blipFill>
+        <p:spPr>
+          <a:xfrm>
+            <a:off x="334536" y="1781176"/>
+            <a:ext cx="1856237" cy="539756"/>
+          </a:xfrm>
+          <a:prstGeom prst="rect">
+            <a:avLst/>
+          </a:prstGeom>
+        </p:spPr>
+      </p:pic>
+      <p:pic>
+        <p:nvPicPr>
+          <p:cNvPr id="4" name="圖片 3">
+            <a:extLst>
+              <a:ext uri="{FF2B5EF4-FFF2-40B4-BE49-F238E27FC236}">
+                <a16:creationId xmlns:a16="http://schemas.microsoft.com/office/drawing/2014/main" id="{B90DFD27-8E92-4800-8570-B0C174B31A6D}"/>
+              </a:ext>
+            </a:extLst>
+          </p:cNvPr>
+          <p:cNvPicPr>
+            <a:picLocks noChangeAspect="1"/>
+          </p:cNvPicPr>
+          <p:nvPr/>
+        </p:nvPicPr>
+        <p:blipFill>
+          <a:blip r:embed="rId3"/>
+          <a:stretch>
+            <a:fillRect/>
+          </a:stretch>
+        </p:blipFill>
+        <p:spPr>
+          <a:xfrm>
+            <a:off x="6892848" y="2133600"/>
+            <a:ext cx="3712077" cy="1654209"/>
+          </a:xfrm>
+          <a:prstGeom prst="rect">
+            <a:avLst/>
+          </a:prstGeom>
+        </p:spPr>
+      </p:pic>
+      <p:pic>
+        <p:nvPicPr>
+          <p:cNvPr id="5" name="圖片 4">
+            <a:extLst>
+              <a:ext uri="{FF2B5EF4-FFF2-40B4-BE49-F238E27FC236}">
+                <a16:creationId xmlns:a16="http://schemas.microsoft.com/office/drawing/2014/main" id="{13F65190-DF87-45E4-8B39-0A74880ACF8F}"/>
+              </a:ext>
+            </a:extLst>
+          </p:cNvPr>
+          <p:cNvPicPr>
+            <a:picLocks noChangeAspect="1"/>
+          </p:cNvPicPr>
+          <p:nvPr/>
+        </p:nvPicPr>
+        <p:blipFill>
+          <a:blip r:embed="rId4"/>
+          <a:stretch>
+            <a:fillRect/>
+          </a:stretch>
+        </p:blipFill>
+        <p:spPr>
+          <a:xfrm>
+            <a:off x="8153376" y="1865309"/>
+            <a:ext cx="1931692" cy="536581"/>
+          </a:xfrm>
+          <a:prstGeom prst="rect">
+            <a:avLst/>
+          </a:prstGeom>
+        </p:spPr>
+      </p:pic>
+    </p:spTree>
+    <p:extLst>
+      <p:ext uri="{BB962C8B-B14F-4D97-AF65-F5344CB8AC3E}">
+        <p14:creationId xmlns:p14="http://schemas.microsoft.com/office/powerpoint/2010/main" val="854218553"/>
+      </p:ext>
+    </p:extLst>
+  </p:cSld>
+  <p:clrMapOvr>
+    <a:masterClrMapping/>
+  </p:clrMapOvr>
+</p:sld>
+</file>
+
+<file path=ppt/slides/slide18.xml><?xml version="1.0" encoding="utf-8"?>
+<p:sld xmlns:a="http://schemas.openxmlformats.org/drawingml/2006/main" xmlns:r="http://schemas.openxmlformats.org/officeDocument/2006/relationships" xmlns:p="http://schemas.openxmlformats.org/presentationml/2006/main">
+  <p:cSld>
+    <p:spTree>
+      <p:nvGrpSpPr>
+        <p:cNvPr id="1" name=""/>
+        <p:cNvGrpSpPr/>
+        <p:nvPr/>
+      </p:nvGrpSpPr>
+      <p:grpSpPr>
+        <a:xfrm>
+          <a:off x="0" y="0"/>
+          <a:ext cx="0" cy="0"/>
+          <a:chOff x="0" y="0"/>
+          <a:chExt cx="0" cy="0"/>
+        </a:xfrm>
+      </p:grpSpPr>
+      <p:pic>
+        <p:nvPicPr>
+          <p:cNvPr id="2" name="圖片 1">
+            <a:extLst>
+              <a:ext uri="{FF2B5EF4-FFF2-40B4-BE49-F238E27FC236}">
+                <a16:creationId xmlns:a16="http://schemas.microsoft.com/office/drawing/2014/main" id="{AE074BCA-9B63-4129-9F5F-65E0CB8BACC9}"/>
+              </a:ext>
+            </a:extLst>
+          </p:cNvPr>
+          <p:cNvPicPr>
+            <a:picLocks noChangeAspect="1"/>
+          </p:cNvPicPr>
+          <p:nvPr/>
+        </p:nvPicPr>
+        <p:blipFill>
+          <a:blip r:embed="rId2"/>
+          <a:stretch>
+            <a:fillRect/>
+          </a:stretch>
+        </p:blipFill>
+        <p:spPr>
+          <a:xfrm>
+            <a:off x="717456" y="457200"/>
+            <a:ext cx="5006518" cy="2263817"/>
+          </a:xfrm>
+          <a:prstGeom prst="rect">
+            <a:avLst/>
+          </a:prstGeom>
+        </p:spPr>
+      </p:pic>
+      <p:pic>
+        <p:nvPicPr>
+          <p:cNvPr id="3" name="圖片 2">
+            <a:extLst>
+              <a:ext uri="{FF2B5EF4-FFF2-40B4-BE49-F238E27FC236}">
+                <a16:creationId xmlns:a16="http://schemas.microsoft.com/office/drawing/2014/main" id="{83CCA8A6-09FE-459D-A966-B6334CEC137E}"/>
+              </a:ext>
+            </a:extLst>
+          </p:cNvPr>
+          <p:cNvPicPr>
+            <a:picLocks noChangeAspect="1"/>
+          </p:cNvPicPr>
+          <p:nvPr/>
+        </p:nvPicPr>
+        <p:blipFill>
+          <a:blip r:embed="rId3"/>
+          <a:stretch>
+            <a:fillRect/>
+          </a:stretch>
+        </p:blipFill>
+        <p:spPr>
+          <a:xfrm>
+            <a:off x="2051025" y="342901"/>
+            <a:ext cx="1703065" cy="536582"/>
+          </a:xfrm>
+          <a:prstGeom prst="rect">
+            <a:avLst/>
+          </a:prstGeom>
+        </p:spPr>
+      </p:pic>
+      <p:pic>
+        <p:nvPicPr>
+          <p:cNvPr id="4" name="圖片 3">
+            <a:extLst>
+              <a:ext uri="{FF2B5EF4-FFF2-40B4-BE49-F238E27FC236}">
+                <a16:creationId xmlns:a16="http://schemas.microsoft.com/office/drawing/2014/main" id="{540D69FB-0738-4F8B-A2CB-25F10F58E8A3}"/>
+              </a:ext>
+            </a:extLst>
+          </p:cNvPr>
+          <p:cNvPicPr>
+            <a:picLocks noChangeAspect="1"/>
+          </p:cNvPicPr>
+          <p:nvPr/>
+        </p:nvPicPr>
+        <p:blipFill>
+          <a:blip r:embed="rId4"/>
+          <a:stretch>
+            <a:fillRect/>
+          </a:stretch>
+        </p:blipFill>
+        <p:spPr>
+          <a:xfrm>
+            <a:off x="6972371" y="879483"/>
+            <a:ext cx="4576790" cy="1990758"/>
+          </a:xfrm>
+          <a:prstGeom prst="rect">
+            <a:avLst/>
+          </a:prstGeom>
+        </p:spPr>
+      </p:pic>
+      <p:pic>
+        <p:nvPicPr>
+          <p:cNvPr id="5" name="圖片 4">
+            <a:extLst>
+              <a:ext uri="{FF2B5EF4-FFF2-40B4-BE49-F238E27FC236}">
+                <a16:creationId xmlns:a16="http://schemas.microsoft.com/office/drawing/2014/main" id="{6CDB10A2-DDEC-4AD2-A011-BA0575EB8017}"/>
+              </a:ext>
+            </a:extLst>
+          </p:cNvPr>
+          <p:cNvPicPr>
+            <a:picLocks noChangeAspect="1"/>
+          </p:cNvPicPr>
+          <p:nvPr/>
+        </p:nvPicPr>
+        <p:blipFill>
+          <a:blip r:embed="rId5"/>
+          <a:stretch>
+            <a:fillRect/>
+          </a:stretch>
+        </p:blipFill>
+        <p:spPr>
+          <a:xfrm>
+            <a:off x="8723633" y="457200"/>
+            <a:ext cx="1931692" cy="536581"/>
+          </a:xfrm>
+          <a:prstGeom prst="rect">
+            <a:avLst/>
+          </a:prstGeom>
+        </p:spPr>
+      </p:pic>
+      <p:sp>
+        <p:nvSpPr>
+          <p:cNvPr id="6" name="矩形 5">
+            <a:extLst>
+              <a:ext uri="{FF2B5EF4-FFF2-40B4-BE49-F238E27FC236}">
+                <a16:creationId xmlns:a16="http://schemas.microsoft.com/office/drawing/2014/main" id="{029EF415-A100-4276-A98A-1316B65BBCCB}"/>
+              </a:ext>
+            </a:extLst>
+          </p:cNvPr>
+          <p:cNvSpPr/>
+          <p:nvPr/>
+        </p:nvSpPr>
+        <p:spPr>
+          <a:xfrm>
+            <a:off x="4943475" y="4400461"/>
+            <a:ext cx="3648075" cy="1200329"/>
+          </a:xfrm>
+          <a:prstGeom prst="rect">
+            <a:avLst/>
+          </a:prstGeom>
+          <a:ln>
+            <a:solidFill>
+              <a:schemeClr val="tx1"/>
+            </a:solidFill>
+          </a:ln>
+        </p:spPr>
+        <p:txBody>
+          <a:bodyPr wrap="square">
+            <a:spAutoFit/>
+          </a:bodyPr>
+          <a:lstStyle/>
+          <a:p>
+            <a:r>
+              <a:rPr lang="en-US" altLang="zh-TW" dirty="0">
+                <a:solidFill>
+                  <a:srgbClr val="0000FF"/>
+                </a:solidFill>
+                <a:latin typeface="Consolas" panose="020B0609020204030204" pitchFamily="49" charset="0"/>
+              </a:rPr>
+              <a:t>var</a:t>
+            </a:r>
+            <a:r>
+              <a:rPr lang="en-US" altLang="zh-TW" dirty="0">
+                <a:solidFill>
+                  <a:srgbClr val="000000"/>
+                </a:solidFill>
+                <a:latin typeface="Consolas" panose="020B0609020204030204" pitchFamily="49" charset="0"/>
+              </a:rPr>
+              <a:t> result=</a:t>
+            </a:r>
+            <a:r>
+              <a:rPr lang="en-US" altLang="zh-TW" dirty="0" err="1">
+                <a:solidFill>
+                  <a:srgbClr val="000000"/>
+                </a:solidFill>
+                <a:latin typeface="Consolas" panose="020B0609020204030204" pitchFamily="49" charset="0"/>
+              </a:rPr>
+              <a:t>msg.payload</a:t>
+            </a:r>
+            <a:r>
+              <a:rPr lang="en-US" altLang="zh-TW" dirty="0">
+                <a:solidFill>
+                  <a:srgbClr val="000000"/>
+                </a:solidFill>
+                <a:latin typeface="Consolas" panose="020B0609020204030204" pitchFamily="49" charset="0"/>
+              </a:rPr>
+              <a:t>;</a:t>
+            </a:r>
+          </a:p>
+          <a:p>
+            <a:r>
+              <a:rPr lang="en-US" altLang="zh-TW" dirty="0">
+                <a:solidFill>
+                  <a:srgbClr val="0000FF"/>
+                </a:solidFill>
+                <a:latin typeface="Consolas" panose="020B0609020204030204" pitchFamily="49" charset="0"/>
+              </a:rPr>
+              <a:t>var</a:t>
+            </a:r>
+            <a:r>
+              <a:rPr lang="en-US" altLang="zh-TW" dirty="0">
+                <a:solidFill>
+                  <a:srgbClr val="000000"/>
+                </a:solidFill>
+                <a:latin typeface="Consolas" panose="020B0609020204030204" pitchFamily="49" charset="0"/>
+              </a:rPr>
+              <a:t> obj=</a:t>
+            </a:r>
+            <a:r>
+              <a:rPr lang="en-US" altLang="zh-TW" dirty="0" err="1">
+                <a:solidFill>
+                  <a:srgbClr val="008080"/>
+                </a:solidFill>
+                <a:latin typeface="Consolas" panose="020B0609020204030204" pitchFamily="49" charset="0"/>
+              </a:rPr>
+              <a:t>JSON</a:t>
+            </a:r>
+            <a:r>
+              <a:rPr lang="en-US" altLang="zh-TW" dirty="0" err="1">
+                <a:solidFill>
+                  <a:srgbClr val="000000"/>
+                </a:solidFill>
+                <a:latin typeface="Consolas" panose="020B0609020204030204" pitchFamily="49" charset="0"/>
+              </a:rPr>
+              <a:t>.parse</a:t>
+            </a:r>
+            <a:r>
+              <a:rPr lang="en-US" altLang="zh-TW" dirty="0">
+                <a:solidFill>
+                  <a:srgbClr val="000000"/>
+                </a:solidFill>
+                <a:latin typeface="Consolas" panose="020B0609020204030204" pitchFamily="49" charset="0"/>
+              </a:rPr>
+              <a:t>(result);</a:t>
+            </a:r>
+          </a:p>
+          <a:p>
+            <a:r>
+              <a:rPr lang="en-US" altLang="zh-TW" dirty="0" err="1">
+                <a:solidFill>
+                  <a:srgbClr val="000000"/>
+                </a:solidFill>
+                <a:latin typeface="Consolas" panose="020B0609020204030204" pitchFamily="49" charset="0"/>
+              </a:rPr>
+              <a:t>msg.payload</a:t>
+            </a:r>
+            <a:r>
+              <a:rPr lang="en-US" altLang="zh-TW" dirty="0">
+                <a:solidFill>
+                  <a:srgbClr val="000000"/>
+                </a:solidFill>
+                <a:latin typeface="Consolas" panose="020B0609020204030204" pitchFamily="49" charset="0"/>
+              </a:rPr>
+              <a:t>=obj;</a:t>
+            </a:r>
+          </a:p>
+          <a:p>
+            <a:r>
+              <a:rPr lang="en-US" altLang="zh-TW" dirty="0">
+                <a:solidFill>
+                  <a:srgbClr val="0000FF"/>
+                </a:solidFill>
+                <a:latin typeface="Consolas" panose="020B0609020204030204" pitchFamily="49" charset="0"/>
+              </a:rPr>
+              <a:t>return</a:t>
+            </a:r>
+            <a:r>
+              <a:rPr lang="en-US" altLang="zh-TW" dirty="0">
+                <a:solidFill>
+                  <a:srgbClr val="000000"/>
+                </a:solidFill>
+                <a:latin typeface="Consolas" panose="020B0609020204030204" pitchFamily="49" charset="0"/>
+              </a:rPr>
+              <a:t> msg;</a:t>
+            </a:r>
+            <a:endParaRPr lang="en-US" altLang="zh-TW" b="0" dirty="0">
+              <a:solidFill>
+                <a:srgbClr val="000000"/>
+              </a:solidFill>
+              <a:effectLst/>
+              <a:latin typeface="Consolas" panose="020B0609020204030204" pitchFamily="49" charset="0"/>
+            </a:endParaRPr>
+          </a:p>
+        </p:txBody>
+      </p:sp>
+      <p:pic>
+        <p:nvPicPr>
+          <p:cNvPr id="7" name="圖片 6">
+            <a:extLst>
+              <a:ext uri="{FF2B5EF4-FFF2-40B4-BE49-F238E27FC236}">
+                <a16:creationId xmlns:a16="http://schemas.microsoft.com/office/drawing/2014/main" id="{09CA2D84-AC7B-4E32-A49C-7E8721BC55D1}"/>
+              </a:ext>
+            </a:extLst>
+          </p:cNvPr>
+          <p:cNvPicPr>
+            <a:picLocks noChangeAspect="1"/>
+          </p:cNvPicPr>
+          <p:nvPr/>
+        </p:nvPicPr>
+        <p:blipFill>
+          <a:blip r:embed="rId6"/>
+          <a:stretch>
+            <a:fillRect/>
+          </a:stretch>
+        </p:blipFill>
+        <p:spPr>
+          <a:xfrm>
+            <a:off x="3220715" y="3982946"/>
+            <a:ext cx="1851208" cy="536582"/>
+          </a:xfrm>
+          <a:prstGeom prst="rect">
+            <a:avLst/>
+          </a:prstGeom>
+        </p:spPr>
+      </p:pic>
+    </p:spTree>
+    <p:extLst>
+      <p:ext uri="{BB962C8B-B14F-4D97-AF65-F5344CB8AC3E}">
+        <p14:creationId xmlns:p14="http://schemas.microsoft.com/office/powerpoint/2010/main" val="3357114176"/>
+      </p:ext>
+    </p:extLst>
+  </p:cSld>
+  <p:clrMapOvr>
+    <a:masterClrMapping/>
+  </p:clrMapOvr>
+</p:sld>
+</file>
+
+<file path=ppt/slides/slide19.xml><?xml version="1.0" encoding="utf-8"?>
+<p:sld xmlns:a="http://schemas.openxmlformats.org/drawingml/2006/main" xmlns:r="http://schemas.openxmlformats.org/officeDocument/2006/relationships" xmlns:p="http://schemas.openxmlformats.org/presentationml/2006/main">
+  <p:cSld>
+    <p:spTree>
+      <p:nvGrpSpPr>
+        <p:cNvPr id="1" name=""/>
+        <p:cNvGrpSpPr/>
+        <p:nvPr/>
+      </p:nvGrpSpPr>
+      <p:grpSpPr>
+        <a:xfrm>
+          <a:off x="0" y="0"/>
+          <a:ext cx="0" cy="0"/>
+          <a:chOff x="0" y="0"/>
+          <a:chExt cx="0" cy="0"/>
+        </a:xfrm>
+      </p:grpSpPr>
+      <p:sp>
+        <p:nvSpPr>
+          <p:cNvPr id="2" name="矩形 1">
+            <a:extLst>
+              <a:ext uri="{FF2B5EF4-FFF2-40B4-BE49-F238E27FC236}">
+                <a16:creationId xmlns:a16="http://schemas.microsoft.com/office/drawing/2014/main" id="{D6C0D89E-03D4-445C-9992-DA65DD6EFAF4}"/>
+              </a:ext>
+            </a:extLst>
+          </p:cNvPr>
+          <p:cNvSpPr/>
+          <p:nvPr/>
+        </p:nvSpPr>
+        <p:spPr>
+          <a:xfrm>
+            <a:off x="4369487" y="2767280"/>
+            <a:ext cx="3453026" cy="1323439"/>
+          </a:xfrm>
+          <a:prstGeom prst="rect">
+            <a:avLst/>
+          </a:prstGeom>
+          <a:ln>
+            <a:solidFill>
+              <a:schemeClr val="tx1"/>
+            </a:solidFill>
+          </a:ln>
+        </p:spPr>
+        <p:txBody>
+          <a:bodyPr wrap="square">
+            <a:spAutoFit/>
+          </a:bodyPr>
+          <a:lstStyle/>
+          <a:p>
+            <a:r>
+              <a:rPr lang="en-US" altLang="zh-TW" sz="8000" dirty="0">
+                <a:latin typeface="Times New Roman" panose="02020603050405020304" pitchFamily="18" charset="0"/>
+                <a:cs typeface="Times New Roman" panose="02020603050405020304" pitchFamily="18" charset="0"/>
+              </a:rPr>
+              <a:t>battery</a:t>
+            </a:r>
+            <a:endParaRPr lang="zh-TW" altLang="en-US" sz="8000" dirty="0">
+              <a:latin typeface="Times New Roman" panose="02020603050405020304" pitchFamily="18" charset="0"/>
+              <a:cs typeface="Times New Roman" panose="02020603050405020304" pitchFamily="18" charset="0"/>
+            </a:endParaRPr>
+          </a:p>
+        </p:txBody>
+      </p:sp>
+    </p:spTree>
+    <p:extLst>
+      <p:ext uri="{BB962C8B-B14F-4D97-AF65-F5344CB8AC3E}">
+        <p14:creationId xmlns:p14="http://schemas.microsoft.com/office/powerpoint/2010/main" val="4021307720"/>
       </p:ext>
     </p:extLst>
   </p:cSld>
@@ -3653,6 +5368,1690 @@
 </p:sld>
 </file>
 
+<file path=ppt/slides/slide20.xml><?xml version="1.0" encoding="utf-8"?>
+<p:sld xmlns:a="http://schemas.openxmlformats.org/drawingml/2006/main" xmlns:r="http://schemas.openxmlformats.org/officeDocument/2006/relationships" xmlns:p="http://schemas.openxmlformats.org/presentationml/2006/main">
+  <p:cSld>
+    <p:spTree>
+      <p:nvGrpSpPr>
+        <p:cNvPr id="1" name=""/>
+        <p:cNvGrpSpPr/>
+        <p:nvPr/>
+      </p:nvGrpSpPr>
+      <p:grpSpPr>
+        <a:xfrm>
+          <a:off x="0" y="0"/>
+          <a:ext cx="0" cy="0"/>
+          <a:chOff x="0" y="0"/>
+          <a:chExt cx="0" cy="0"/>
+        </a:xfrm>
+      </p:grpSpPr>
+      <p:pic>
+        <p:nvPicPr>
+          <p:cNvPr id="2" name="圖片 1">
+            <a:extLst>
+              <a:ext uri="{FF2B5EF4-FFF2-40B4-BE49-F238E27FC236}">
+                <a16:creationId xmlns:a16="http://schemas.microsoft.com/office/drawing/2014/main" id="{5A142F17-5C43-42DC-88A0-2905297FF24E}"/>
+              </a:ext>
+            </a:extLst>
+          </p:cNvPr>
+          <p:cNvPicPr>
+            <a:picLocks noChangeAspect="1"/>
+          </p:cNvPicPr>
+          <p:nvPr/>
+        </p:nvPicPr>
+        <p:blipFill>
+          <a:blip r:embed="rId2"/>
+          <a:stretch>
+            <a:fillRect/>
+          </a:stretch>
+        </p:blipFill>
+        <p:spPr>
+          <a:xfrm>
+            <a:off x="1814366" y="3848855"/>
+            <a:ext cx="9132310" cy="1504500"/>
+          </a:xfrm>
+          <a:prstGeom prst="rect">
+            <a:avLst/>
+          </a:prstGeom>
+          <a:ln>
+            <a:noFill/>
+          </a:ln>
+        </p:spPr>
+      </p:pic>
+      <p:sp>
+        <p:nvSpPr>
+          <p:cNvPr id="3" name="矩形 2">
+            <a:extLst>
+              <a:ext uri="{FF2B5EF4-FFF2-40B4-BE49-F238E27FC236}">
+                <a16:creationId xmlns:a16="http://schemas.microsoft.com/office/drawing/2014/main" id="{48FA8BBF-3362-49EA-9545-854FA6BE54FD}"/>
+              </a:ext>
+            </a:extLst>
+          </p:cNvPr>
+          <p:cNvSpPr/>
+          <p:nvPr/>
+        </p:nvSpPr>
+        <p:spPr>
+          <a:xfrm>
+            <a:off x="589129" y="5627210"/>
+            <a:ext cx="3154940" cy="923330"/>
+          </a:xfrm>
+          <a:prstGeom prst="rect">
+            <a:avLst/>
+          </a:prstGeom>
+          <a:ln>
+            <a:solidFill>
+              <a:schemeClr val="tx1"/>
+            </a:solidFill>
+          </a:ln>
+        </p:spPr>
+        <p:txBody>
+          <a:bodyPr wrap="square">
+            <a:spAutoFit/>
+          </a:bodyPr>
+          <a:lstStyle/>
+          <a:p>
+            <a:r>
+              <a:rPr lang="en-US" altLang="zh-TW" dirty="0" err="1">
+                <a:solidFill>
+                  <a:srgbClr val="000000"/>
+                </a:solidFill>
+                <a:latin typeface="Consolas" panose="020B0609020204030204" pitchFamily="49" charset="0"/>
+              </a:rPr>
+              <a:t>msg.payload</a:t>
+            </a:r>
+            <a:r>
+              <a:rPr lang="en-US" altLang="zh-TW" dirty="0">
+                <a:solidFill>
+                  <a:srgbClr val="000000"/>
+                </a:solidFill>
+                <a:latin typeface="Consolas" panose="020B0609020204030204" pitchFamily="49" charset="0"/>
+              </a:rPr>
+              <a:t> = </a:t>
+            </a:r>
+            <a:r>
+              <a:rPr lang="en-US" altLang="zh-TW" dirty="0" err="1">
+                <a:solidFill>
+                  <a:srgbClr val="000000"/>
+                </a:solidFill>
+                <a:latin typeface="Consolas" panose="020B0609020204030204" pitchFamily="49" charset="0"/>
+              </a:rPr>
+              <a:t>msg.payload</a:t>
+            </a:r>
+            <a:r>
+              <a:rPr lang="en-US" altLang="zh-TW" dirty="0">
+                <a:solidFill>
+                  <a:srgbClr val="000000"/>
+                </a:solidFill>
+                <a:latin typeface="Consolas" panose="020B0609020204030204" pitchFamily="49" charset="0"/>
+              </a:rPr>
+              <a:t>[</a:t>
+            </a:r>
+            <a:r>
+              <a:rPr lang="en-US" altLang="zh-TW" dirty="0">
+                <a:solidFill>
+                  <a:srgbClr val="A31515"/>
+                </a:solidFill>
+                <a:latin typeface="Consolas" panose="020B0609020204030204" pitchFamily="49" charset="0"/>
+              </a:rPr>
+              <a:t>"battery"</a:t>
+            </a:r>
+            <a:r>
+              <a:rPr lang="en-US" altLang="zh-TW" dirty="0">
+                <a:solidFill>
+                  <a:srgbClr val="000000"/>
+                </a:solidFill>
+                <a:latin typeface="Consolas" panose="020B0609020204030204" pitchFamily="49" charset="0"/>
+              </a:rPr>
+              <a:t>];</a:t>
+            </a:r>
+          </a:p>
+          <a:p>
+            <a:r>
+              <a:rPr lang="en-US" altLang="zh-TW" dirty="0">
+                <a:solidFill>
+                  <a:srgbClr val="0000FF"/>
+                </a:solidFill>
+                <a:latin typeface="Consolas" panose="020B0609020204030204" pitchFamily="49" charset="0"/>
+              </a:rPr>
+              <a:t>return</a:t>
+            </a:r>
+            <a:r>
+              <a:rPr lang="en-US" altLang="zh-TW" dirty="0">
+                <a:solidFill>
+                  <a:srgbClr val="000000"/>
+                </a:solidFill>
+                <a:latin typeface="Consolas" panose="020B0609020204030204" pitchFamily="49" charset="0"/>
+              </a:rPr>
+              <a:t> msg;</a:t>
+            </a:r>
+            <a:endParaRPr lang="en-US" altLang="zh-TW" b="0" dirty="0">
+              <a:solidFill>
+                <a:srgbClr val="000000"/>
+              </a:solidFill>
+              <a:effectLst/>
+              <a:latin typeface="Consolas" panose="020B0609020204030204" pitchFamily="49" charset="0"/>
+            </a:endParaRPr>
+          </a:p>
+        </p:txBody>
+      </p:sp>
+      <p:pic>
+        <p:nvPicPr>
+          <p:cNvPr id="5" name="圖片 4">
+            <a:extLst>
+              <a:ext uri="{FF2B5EF4-FFF2-40B4-BE49-F238E27FC236}">
+                <a16:creationId xmlns:a16="http://schemas.microsoft.com/office/drawing/2014/main" id="{FE54F6BC-ADFF-4D39-BDBE-F3844F45FFE3}"/>
+              </a:ext>
+            </a:extLst>
+          </p:cNvPr>
+          <p:cNvPicPr>
+            <a:picLocks noChangeAspect="1"/>
+          </p:cNvPicPr>
+          <p:nvPr/>
+        </p:nvPicPr>
+        <p:blipFill>
+          <a:blip r:embed="rId3"/>
+          <a:stretch>
+            <a:fillRect/>
+          </a:stretch>
+        </p:blipFill>
+        <p:spPr>
+          <a:xfrm>
+            <a:off x="2340719" y="178195"/>
+            <a:ext cx="4566846" cy="3105455"/>
+          </a:xfrm>
+          <a:prstGeom prst="rect">
+            <a:avLst/>
+          </a:prstGeom>
+          <a:ln>
+            <a:solidFill>
+              <a:schemeClr val="tx1"/>
+            </a:solidFill>
+          </a:ln>
+        </p:spPr>
+      </p:pic>
+      <p:sp>
+        <p:nvSpPr>
+          <p:cNvPr id="8" name="箭號: 向下 7">
+            <a:extLst>
+              <a:ext uri="{FF2B5EF4-FFF2-40B4-BE49-F238E27FC236}">
+                <a16:creationId xmlns:a16="http://schemas.microsoft.com/office/drawing/2014/main" id="{34297B5B-CA62-4362-A393-C6533ADFEDAD}"/>
+              </a:ext>
+            </a:extLst>
+          </p:cNvPr>
+          <p:cNvSpPr/>
+          <p:nvPr/>
+        </p:nvSpPr>
+        <p:spPr>
+          <a:xfrm>
+            <a:off x="2566840" y="4955475"/>
+            <a:ext cx="389466" cy="621636"/>
+          </a:xfrm>
+          <a:prstGeom prst="downArrow">
+            <a:avLst/>
+          </a:prstGeom>
+        </p:spPr>
+        <p:style>
+          <a:lnRef idx="2">
+            <a:schemeClr val="dk1">
+              <a:shade val="50000"/>
+            </a:schemeClr>
+          </a:lnRef>
+          <a:fillRef idx="1">
+            <a:schemeClr val="dk1"/>
+          </a:fillRef>
+          <a:effectRef idx="0">
+            <a:schemeClr val="dk1"/>
+          </a:effectRef>
+          <a:fontRef idx="minor">
+            <a:schemeClr val="lt1"/>
+          </a:fontRef>
+        </p:style>
+        <p:txBody>
+          <a:bodyPr rtlCol="0" anchor="ctr"/>
+          <a:lstStyle/>
+          <a:p>
+            <a:pPr algn="ctr"/>
+            <a:endParaRPr lang="zh-TW" altLang="en-US"/>
+          </a:p>
+        </p:txBody>
+      </p:sp>
+      <p:sp>
+        <p:nvSpPr>
+          <p:cNvPr id="9" name="箭號: 向上 8">
+            <a:extLst>
+              <a:ext uri="{FF2B5EF4-FFF2-40B4-BE49-F238E27FC236}">
+                <a16:creationId xmlns:a16="http://schemas.microsoft.com/office/drawing/2014/main" id="{BF6B7742-014A-4EF2-ACB9-46A35A2F2146}"/>
+              </a:ext>
+            </a:extLst>
+          </p:cNvPr>
+          <p:cNvSpPr/>
+          <p:nvPr/>
+        </p:nvSpPr>
+        <p:spPr>
+          <a:xfrm>
+            <a:off x="5600700" y="3429000"/>
+            <a:ext cx="323850" cy="628650"/>
+          </a:xfrm>
+          <a:prstGeom prst="upArrow">
+            <a:avLst/>
+          </a:prstGeom>
+        </p:spPr>
+        <p:style>
+          <a:lnRef idx="2">
+            <a:schemeClr val="dk1">
+              <a:shade val="50000"/>
+            </a:schemeClr>
+          </a:lnRef>
+          <a:fillRef idx="1">
+            <a:schemeClr val="dk1"/>
+          </a:fillRef>
+          <a:effectRef idx="0">
+            <a:schemeClr val="dk1"/>
+          </a:effectRef>
+          <a:fontRef idx="minor">
+            <a:schemeClr val="lt1"/>
+          </a:fontRef>
+        </p:style>
+        <p:txBody>
+          <a:bodyPr rtlCol="0" anchor="ctr"/>
+          <a:lstStyle/>
+          <a:p>
+            <a:pPr algn="ctr"/>
+            <a:endParaRPr lang="zh-TW" altLang="en-US"/>
+          </a:p>
+        </p:txBody>
+      </p:sp>
+      <p:sp>
+        <p:nvSpPr>
+          <p:cNvPr id="10" name="矩形: 圓角 9">
+            <a:extLst>
+              <a:ext uri="{FF2B5EF4-FFF2-40B4-BE49-F238E27FC236}">
+                <a16:creationId xmlns:a16="http://schemas.microsoft.com/office/drawing/2014/main" id="{BC531C33-6FCE-4B95-800D-237DD45F5336}"/>
+              </a:ext>
+            </a:extLst>
+          </p:cNvPr>
+          <p:cNvSpPr/>
+          <p:nvPr/>
+        </p:nvSpPr>
+        <p:spPr>
+          <a:xfrm>
+            <a:off x="7343775" y="2394678"/>
+            <a:ext cx="4352925" cy="781050"/>
+          </a:xfrm>
+          <a:prstGeom prst="roundRect">
+            <a:avLst/>
+          </a:prstGeom>
+        </p:spPr>
+        <p:style>
+          <a:lnRef idx="2">
+            <a:schemeClr val="accent1">
+              <a:shade val="50000"/>
+            </a:schemeClr>
+          </a:lnRef>
+          <a:fillRef idx="1">
+            <a:schemeClr val="accent1"/>
+          </a:fillRef>
+          <a:effectRef idx="0">
+            <a:schemeClr val="accent1"/>
+          </a:effectRef>
+          <a:fontRef idx="minor">
+            <a:schemeClr val="lt1"/>
+          </a:fontRef>
+        </p:style>
+        <p:txBody>
+          <a:bodyPr rtlCol="0" anchor="ctr"/>
+          <a:lstStyle/>
+          <a:p>
+            <a:pPr algn="ctr"/>
+            <a:r>
+              <a:rPr lang="zh-TW" altLang="en-US" dirty="0"/>
+              <a:t>電量小於</a:t>
+            </a:r>
+            <a:r>
+              <a:rPr lang="en-US" altLang="zh-TW" dirty="0"/>
+              <a:t>50%</a:t>
+            </a:r>
+            <a:r>
+              <a:rPr lang="zh-TW" altLang="en-US" dirty="0"/>
+              <a:t>時，會發送充電通知。</a:t>
+            </a:r>
+            <a:endParaRPr lang="en-US" altLang="zh-TW" dirty="0"/>
+          </a:p>
+        </p:txBody>
+      </p:sp>
+      <p:sp>
+        <p:nvSpPr>
+          <p:cNvPr id="11" name="矩形 10">
+            <a:extLst>
+              <a:ext uri="{FF2B5EF4-FFF2-40B4-BE49-F238E27FC236}">
+                <a16:creationId xmlns:a16="http://schemas.microsoft.com/office/drawing/2014/main" id="{E48D04C1-9E4E-43B5-855C-828915D16DB9}"/>
+              </a:ext>
+            </a:extLst>
+          </p:cNvPr>
+          <p:cNvSpPr/>
+          <p:nvPr/>
+        </p:nvSpPr>
+        <p:spPr>
+          <a:xfrm>
+            <a:off x="2409825" y="2247900"/>
+            <a:ext cx="4381500" cy="1035750"/>
+          </a:xfrm>
+          <a:prstGeom prst="rect">
+            <a:avLst/>
+          </a:prstGeom>
+          <a:noFill/>
+          <a:ln w="38100">
+            <a:solidFill>
+              <a:schemeClr val="accent1"/>
+            </a:solidFill>
+          </a:ln>
+        </p:spPr>
+        <p:style>
+          <a:lnRef idx="2">
+            <a:schemeClr val="accent1">
+              <a:shade val="50000"/>
+            </a:schemeClr>
+          </a:lnRef>
+          <a:fillRef idx="1">
+            <a:schemeClr val="accent1"/>
+          </a:fillRef>
+          <a:effectRef idx="0">
+            <a:schemeClr val="accent1"/>
+          </a:effectRef>
+          <a:fontRef idx="minor">
+            <a:schemeClr val="lt1"/>
+          </a:fontRef>
+        </p:style>
+        <p:txBody>
+          <a:bodyPr rtlCol="0" anchor="ctr"/>
+          <a:lstStyle/>
+          <a:p>
+            <a:pPr algn="ctr"/>
+            <a:endParaRPr lang="zh-TW" altLang="en-US"/>
+          </a:p>
+        </p:txBody>
+      </p:sp>
+    </p:spTree>
+    <p:extLst>
+      <p:ext uri="{BB962C8B-B14F-4D97-AF65-F5344CB8AC3E}">
+        <p14:creationId xmlns:p14="http://schemas.microsoft.com/office/powerpoint/2010/main" val="2230290591"/>
+      </p:ext>
+    </p:extLst>
+  </p:cSld>
+  <p:clrMapOvr>
+    <a:masterClrMapping/>
+  </p:clrMapOvr>
+</p:sld>
+</file>
+
+<file path=ppt/slides/slide21.xml><?xml version="1.0" encoding="utf-8"?>
+<p:sld xmlns:a="http://schemas.openxmlformats.org/drawingml/2006/main" xmlns:r="http://schemas.openxmlformats.org/officeDocument/2006/relationships" xmlns:p="http://schemas.openxmlformats.org/presentationml/2006/main">
+  <p:cSld>
+    <p:spTree>
+      <p:nvGrpSpPr>
+        <p:cNvPr id="1" name=""/>
+        <p:cNvGrpSpPr/>
+        <p:nvPr/>
+      </p:nvGrpSpPr>
+      <p:grpSpPr>
+        <a:xfrm>
+          <a:off x="0" y="0"/>
+          <a:ext cx="0" cy="0"/>
+          <a:chOff x="0" y="0"/>
+          <a:chExt cx="0" cy="0"/>
+        </a:xfrm>
+      </p:grpSpPr>
+      <p:pic>
+        <p:nvPicPr>
+          <p:cNvPr id="2" name="圖片 1">
+            <a:extLst>
+              <a:ext uri="{FF2B5EF4-FFF2-40B4-BE49-F238E27FC236}">
+                <a16:creationId xmlns:a16="http://schemas.microsoft.com/office/drawing/2014/main" id="{5A142F17-5C43-42DC-88A0-2905297FF24E}"/>
+              </a:ext>
+            </a:extLst>
+          </p:cNvPr>
+          <p:cNvPicPr>
+            <a:picLocks noChangeAspect="1"/>
+          </p:cNvPicPr>
+          <p:nvPr/>
+        </p:nvPicPr>
+        <p:blipFill>
+          <a:blip r:embed="rId2"/>
+          <a:stretch>
+            <a:fillRect/>
+          </a:stretch>
+        </p:blipFill>
+        <p:spPr>
+          <a:xfrm>
+            <a:off x="1446063" y="1903259"/>
+            <a:ext cx="9906034" cy="1631967"/>
+          </a:xfrm>
+          <a:prstGeom prst="rect">
+            <a:avLst/>
+          </a:prstGeom>
+        </p:spPr>
+      </p:pic>
+      <p:pic>
+        <p:nvPicPr>
+          <p:cNvPr id="6" name="圖片 5">
+            <a:extLst>
+              <a:ext uri="{FF2B5EF4-FFF2-40B4-BE49-F238E27FC236}">
+                <a16:creationId xmlns:a16="http://schemas.microsoft.com/office/drawing/2014/main" id="{A82551AE-E794-4CD8-B253-64021B65286A}"/>
+              </a:ext>
+            </a:extLst>
+          </p:cNvPr>
+          <p:cNvPicPr>
+            <a:picLocks noChangeAspect="1"/>
+          </p:cNvPicPr>
+          <p:nvPr/>
+        </p:nvPicPr>
+        <p:blipFill>
+          <a:blip r:embed="rId3"/>
+          <a:stretch>
+            <a:fillRect/>
+          </a:stretch>
+        </p:blipFill>
+        <p:spPr>
+          <a:xfrm>
+            <a:off x="0" y="3346098"/>
+            <a:ext cx="3957004" cy="3540477"/>
+          </a:xfrm>
+          <a:prstGeom prst="rect">
+            <a:avLst/>
+          </a:prstGeom>
+          <a:ln>
+            <a:solidFill>
+              <a:schemeClr val="tx1"/>
+            </a:solidFill>
+          </a:ln>
+        </p:spPr>
+      </p:pic>
+      <p:sp>
+        <p:nvSpPr>
+          <p:cNvPr id="7" name="矩形 6">
+            <a:extLst>
+              <a:ext uri="{FF2B5EF4-FFF2-40B4-BE49-F238E27FC236}">
+                <a16:creationId xmlns:a16="http://schemas.microsoft.com/office/drawing/2014/main" id="{1357710E-F3E6-4AC3-BCF8-32A9E9647637}"/>
+              </a:ext>
+            </a:extLst>
+          </p:cNvPr>
+          <p:cNvSpPr/>
+          <p:nvPr/>
+        </p:nvSpPr>
+        <p:spPr>
+          <a:xfrm>
+            <a:off x="5759368" y="74406"/>
+            <a:ext cx="4162425" cy="1477328"/>
+          </a:xfrm>
+          <a:prstGeom prst="rect">
+            <a:avLst/>
+          </a:prstGeom>
+          <a:ln>
+            <a:solidFill>
+              <a:schemeClr val="tx1"/>
+            </a:solidFill>
+          </a:ln>
+        </p:spPr>
+        <p:txBody>
+          <a:bodyPr wrap="square">
+            <a:spAutoFit/>
+          </a:bodyPr>
+          <a:lstStyle/>
+          <a:p>
+            <a:r>
+              <a:rPr lang="en-US" altLang="zh-TW" dirty="0">
+                <a:solidFill>
+                  <a:srgbClr val="0000FF"/>
+                </a:solidFill>
+                <a:latin typeface="Consolas" panose="020B0609020204030204" pitchFamily="49" charset="0"/>
+              </a:rPr>
+              <a:t>var</a:t>
+            </a:r>
+            <a:r>
+              <a:rPr lang="en-US" altLang="zh-TW" dirty="0">
+                <a:solidFill>
+                  <a:srgbClr val="000000"/>
+                </a:solidFill>
+                <a:latin typeface="Consolas" panose="020B0609020204030204" pitchFamily="49" charset="0"/>
+              </a:rPr>
+              <a:t> message = </a:t>
+            </a:r>
+            <a:r>
+              <a:rPr lang="en-US" altLang="zh-TW" dirty="0">
+                <a:solidFill>
+                  <a:srgbClr val="A31515"/>
+                </a:solidFill>
+                <a:latin typeface="Consolas" panose="020B0609020204030204" pitchFamily="49" charset="0"/>
+              </a:rPr>
+              <a:t>"Need to charge! \n battery level:"</a:t>
+            </a:r>
+            <a:r>
+              <a:rPr lang="en-US" altLang="zh-TW" dirty="0">
+                <a:solidFill>
+                  <a:srgbClr val="000000"/>
+                </a:solidFill>
+                <a:latin typeface="Consolas" panose="020B0609020204030204" pitchFamily="49" charset="0"/>
+              </a:rPr>
+              <a:t> + </a:t>
+            </a:r>
+            <a:r>
+              <a:rPr lang="en-US" altLang="zh-TW" dirty="0" err="1">
+                <a:solidFill>
+                  <a:srgbClr val="000000"/>
+                </a:solidFill>
+                <a:latin typeface="Consolas" panose="020B0609020204030204" pitchFamily="49" charset="0"/>
+              </a:rPr>
+              <a:t>msg.payload</a:t>
+            </a:r>
+            <a:r>
+              <a:rPr lang="en-US" altLang="zh-TW" dirty="0">
+                <a:solidFill>
+                  <a:srgbClr val="000000"/>
+                </a:solidFill>
+                <a:latin typeface="Consolas" panose="020B0609020204030204" pitchFamily="49" charset="0"/>
+              </a:rPr>
+              <a:t> ;</a:t>
+            </a:r>
+          </a:p>
+          <a:p>
+            <a:r>
+              <a:rPr lang="en-US" altLang="zh-TW" dirty="0" err="1">
+                <a:solidFill>
+                  <a:srgbClr val="000000"/>
+                </a:solidFill>
+                <a:latin typeface="Consolas" panose="020B0609020204030204" pitchFamily="49" charset="0"/>
+              </a:rPr>
+              <a:t>msg.payload</a:t>
+            </a:r>
+            <a:r>
+              <a:rPr lang="en-US" altLang="zh-TW" dirty="0">
+                <a:solidFill>
+                  <a:srgbClr val="000000"/>
+                </a:solidFill>
+                <a:latin typeface="Consolas" panose="020B0609020204030204" pitchFamily="49" charset="0"/>
+              </a:rPr>
+              <a:t> = message;</a:t>
+            </a:r>
+          </a:p>
+          <a:p>
+            <a:r>
+              <a:rPr lang="en-US" altLang="zh-TW" dirty="0">
+                <a:solidFill>
+                  <a:srgbClr val="0000FF"/>
+                </a:solidFill>
+                <a:latin typeface="Consolas" panose="020B0609020204030204" pitchFamily="49" charset="0"/>
+              </a:rPr>
+              <a:t>return</a:t>
+            </a:r>
+            <a:r>
+              <a:rPr lang="en-US" altLang="zh-TW" dirty="0">
+                <a:solidFill>
+                  <a:srgbClr val="000000"/>
+                </a:solidFill>
+                <a:latin typeface="Consolas" panose="020B0609020204030204" pitchFamily="49" charset="0"/>
+              </a:rPr>
+              <a:t> msg;</a:t>
+            </a:r>
+            <a:endParaRPr lang="en-US" altLang="zh-TW" b="0" dirty="0">
+              <a:solidFill>
+                <a:srgbClr val="000000"/>
+              </a:solidFill>
+              <a:effectLst/>
+              <a:latin typeface="Consolas" panose="020B0609020204030204" pitchFamily="49" charset="0"/>
+            </a:endParaRPr>
+          </a:p>
+        </p:txBody>
+      </p:sp>
+      <p:sp>
+        <p:nvSpPr>
+          <p:cNvPr id="8" name="箭號: 向下 7">
+            <a:extLst>
+              <a:ext uri="{FF2B5EF4-FFF2-40B4-BE49-F238E27FC236}">
+                <a16:creationId xmlns:a16="http://schemas.microsoft.com/office/drawing/2014/main" id="{A2518FF6-F5AA-4F2D-8815-D4DF2CBA9020}"/>
+              </a:ext>
+            </a:extLst>
+          </p:cNvPr>
+          <p:cNvSpPr/>
+          <p:nvPr/>
+        </p:nvSpPr>
+        <p:spPr>
+          <a:xfrm rot="2293780">
+            <a:off x="4067175" y="3475873"/>
+            <a:ext cx="457200" cy="882090"/>
+          </a:xfrm>
+          <a:prstGeom prst="downArrow">
+            <a:avLst/>
+          </a:prstGeom>
+        </p:spPr>
+        <p:style>
+          <a:lnRef idx="2">
+            <a:schemeClr val="dk1">
+              <a:shade val="50000"/>
+            </a:schemeClr>
+          </a:lnRef>
+          <a:fillRef idx="1">
+            <a:schemeClr val="dk1"/>
+          </a:fillRef>
+          <a:effectRef idx="0">
+            <a:schemeClr val="dk1"/>
+          </a:effectRef>
+          <a:fontRef idx="minor">
+            <a:schemeClr val="lt1"/>
+          </a:fontRef>
+        </p:style>
+        <p:txBody>
+          <a:bodyPr rtlCol="0" anchor="ctr"/>
+          <a:lstStyle/>
+          <a:p>
+            <a:pPr algn="ctr"/>
+            <a:endParaRPr lang="zh-TW" altLang="en-US"/>
+          </a:p>
+        </p:txBody>
+      </p:sp>
+      <p:sp>
+        <p:nvSpPr>
+          <p:cNvPr id="9" name="箭號: 向上 8">
+            <a:extLst>
+              <a:ext uri="{FF2B5EF4-FFF2-40B4-BE49-F238E27FC236}">
+                <a16:creationId xmlns:a16="http://schemas.microsoft.com/office/drawing/2014/main" id="{B7975741-4B31-47C9-BAA2-A0067C220002}"/>
+              </a:ext>
+            </a:extLst>
+          </p:cNvPr>
+          <p:cNvSpPr/>
+          <p:nvPr/>
+        </p:nvSpPr>
+        <p:spPr>
+          <a:xfrm>
+            <a:off x="7524750" y="1699882"/>
+            <a:ext cx="428625" cy="917898"/>
+          </a:xfrm>
+          <a:prstGeom prst="upArrow">
+            <a:avLst/>
+          </a:prstGeom>
+        </p:spPr>
+        <p:style>
+          <a:lnRef idx="2">
+            <a:schemeClr val="dk1">
+              <a:shade val="50000"/>
+            </a:schemeClr>
+          </a:lnRef>
+          <a:fillRef idx="1">
+            <a:schemeClr val="dk1"/>
+          </a:fillRef>
+          <a:effectRef idx="0">
+            <a:schemeClr val="dk1"/>
+          </a:effectRef>
+          <a:fontRef idx="minor">
+            <a:schemeClr val="lt1"/>
+          </a:fontRef>
+        </p:style>
+        <p:txBody>
+          <a:bodyPr rtlCol="0" anchor="ctr"/>
+          <a:lstStyle/>
+          <a:p>
+            <a:pPr algn="ctr"/>
+            <a:endParaRPr lang="zh-TW" altLang="en-US"/>
+          </a:p>
+        </p:txBody>
+      </p:sp>
+      <p:pic>
+        <p:nvPicPr>
+          <p:cNvPr id="10" name="圖片 9">
+            <a:extLst>
+              <a:ext uri="{FF2B5EF4-FFF2-40B4-BE49-F238E27FC236}">
+                <a16:creationId xmlns:a16="http://schemas.microsoft.com/office/drawing/2014/main" id="{96348988-398C-48E6-A1C6-8A0A35D9B0EC}"/>
+              </a:ext>
+            </a:extLst>
+          </p:cNvPr>
+          <p:cNvPicPr>
+            <a:picLocks noChangeAspect="1"/>
+          </p:cNvPicPr>
+          <p:nvPr/>
+        </p:nvPicPr>
+        <p:blipFill>
+          <a:blip r:embed="rId4"/>
+          <a:stretch>
+            <a:fillRect/>
+          </a:stretch>
+        </p:blipFill>
+        <p:spPr>
+          <a:xfrm>
+            <a:off x="4748275" y="4143520"/>
+            <a:ext cx="3319239" cy="2426732"/>
+          </a:xfrm>
+          <a:prstGeom prst="rect">
+            <a:avLst/>
+          </a:prstGeom>
+          <a:ln>
+            <a:solidFill>
+              <a:schemeClr val="tx1"/>
+            </a:solidFill>
+          </a:ln>
+        </p:spPr>
+      </p:pic>
+      <p:pic>
+        <p:nvPicPr>
+          <p:cNvPr id="11" name="圖片 10">
+            <a:extLst>
+              <a:ext uri="{FF2B5EF4-FFF2-40B4-BE49-F238E27FC236}">
+                <a16:creationId xmlns:a16="http://schemas.microsoft.com/office/drawing/2014/main" id="{2FC3215D-C42B-446C-8E62-86E759E19143}"/>
+              </a:ext>
+            </a:extLst>
+          </p:cNvPr>
+          <p:cNvPicPr>
+            <a:picLocks noChangeAspect="1"/>
+          </p:cNvPicPr>
+          <p:nvPr/>
+        </p:nvPicPr>
+        <p:blipFill>
+          <a:blip r:embed="rId5"/>
+          <a:stretch>
+            <a:fillRect/>
+          </a:stretch>
+        </p:blipFill>
+        <p:spPr>
+          <a:xfrm>
+            <a:off x="8214362" y="4404837"/>
+            <a:ext cx="3977638" cy="1862614"/>
+          </a:xfrm>
+          <a:prstGeom prst="rect">
+            <a:avLst/>
+          </a:prstGeom>
+          <a:ln>
+            <a:solidFill>
+              <a:schemeClr val="tx1"/>
+            </a:solidFill>
+          </a:ln>
+        </p:spPr>
+      </p:pic>
+      <p:cxnSp>
+        <p:nvCxnSpPr>
+          <p:cNvPr id="13" name="直線單箭頭接點 12">
+            <a:extLst>
+              <a:ext uri="{FF2B5EF4-FFF2-40B4-BE49-F238E27FC236}">
+                <a16:creationId xmlns:a16="http://schemas.microsoft.com/office/drawing/2014/main" id="{FE73B2BC-165E-4A4E-8031-8197D7F5080E}"/>
+              </a:ext>
+            </a:extLst>
+          </p:cNvPr>
+          <p:cNvCxnSpPr>
+            <a:cxnSpLocks/>
+          </p:cNvCxnSpPr>
+          <p:nvPr/>
+        </p:nvCxnSpPr>
+        <p:spPr>
+          <a:xfrm flipH="1">
+            <a:off x="6877050" y="3428999"/>
+            <a:ext cx="3044743" cy="714521"/>
+          </a:xfrm>
+          <a:prstGeom prst="straightConnector1">
+            <a:avLst/>
+          </a:prstGeom>
+          <a:ln w="38100">
+            <a:tailEnd type="triangle"/>
+          </a:ln>
+        </p:spPr>
+        <p:style>
+          <a:lnRef idx="1">
+            <a:schemeClr val="dk1"/>
+          </a:lnRef>
+          <a:fillRef idx="0">
+            <a:schemeClr val="dk1"/>
+          </a:fillRef>
+          <a:effectRef idx="0">
+            <a:schemeClr val="dk1"/>
+          </a:effectRef>
+          <a:fontRef idx="minor">
+            <a:schemeClr val="tx1"/>
+          </a:fontRef>
+        </p:style>
+      </p:cxnSp>
+      <p:sp>
+        <p:nvSpPr>
+          <p:cNvPr id="4" name="矩形 3">
+            <a:extLst>
+              <a:ext uri="{FF2B5EF4-FFF2-40B4-BE49-F238E27FC236}">
+                <a16:creationId xmlns:a16="http://schemas.microsoft.com/office/drawing/2014/main" id="{C8481F8F-FD2B-4908-B17D-5AF533A8D9D6}"/>
+              </a:ext>
+            </a:extLst>
+          </p:cNvPr>
+          <p:cNvSpPr/>
+          <p:nvPr/>
+        </p:nvSpPr>
+        <p:spPr>
+          <a:xfrm>
+            <a:off x="9445729" y="5813524"/>
+            <a:ext cx="2293044" cy="307777"/>
+          </a:xfrm>
+          <a:prstGeom prst="rect">
+            <a:avLst/>
+          </a:prstGeom>
+          <a:ln/>
+        </p:spPr>
+        <p:style>
+          <a:lnRef idx="2">
+            <a:schemeClr val="dk1">
+              <a:shade val="50000"/>
+            </a:schemeClr>
+          </a:lnRef>
+          <a:fillRef idx="1">
+            <a:schemeClr val="dk1"/>
+          </a:fillRef>
+          <a:effectRef idx="0">
+            <a:schemeClr val="dk1"/>
+          </a:effectRef>
+          <a:fontRef idx="minor">
+            <a:schemeClr val="lt1"/>
+          </a:fontRef>
+        </p:style>
+        <p:txBody>
+          <a:bodyPr wrap="square">
+            <a:spAutoFit/>
+          </a:bodyPr>
+          <a:lstStyle/>
+          <a:p>
+            <a:r>
+              <a:rPr lang="zh-TW" altLang="en-US" sz="1400" dirty="0">
+                <a:latin typeface="Times New Roman" panose="02020603050405020304" pitchFamily="18" charset="0"/>
+                <a:cs typeface="Times New Roman" panose="02020603050405020304" pitchFamily="18" charset="0"/>
+              </a:rPr>
+              <a:t>自己創建</a:t>
+            </a:r>
+            <a:r>
+              <a:rPr lang="en-US" altLang="zh-TW" sz="1400" dirty="0">
+                <a:latin typeface="Times New Roman" panose="02020603050405020304" pitchFamily="18" charset="0"/>
+                <a:cs typeface="Times New Roman" panose="02020603050405020304" pitchFamily="18" charset="0"/>
+              </a:rPr>
+              <a:t>line</a:t>
+            </a:r>
+            <a:r>
+              <a:rPr lang="zh-TW" altLang="en-US" sz="1400" dirty="0">
+                <a:latin typeface="Times New Roman" panose="02020603050405020304" pitchFamily="18" charset="0"/>
+                <a:cs typeface="Times New Roman" panose="02020603050405020304" pitchFamily="18" charset="0"/>
+              </a:rPr>
+              <a:t>帳號的</a:t>
+            </a:r>
+            <a:r>
+              <a:rPr lang="en-US" altLang="zh-TW" sz="1400" dirty="0">
+                <a:latin typeface="Times New Roman" panose="02020603050405020304" pitchFamily="18" charset="0"/>
+                <a:cs typeface="Times New Roman" panose="02020603050405020304" pitchFamily="18" charset="0"/>
+              </a:rPr>
+              <a:t>token</a:t>
+            </a:r>
+            <a:endParaRPr lang="zh-TW" altLang="en-US" sz="1400" dirty="0">
+              <a:latin typeface="Times New Roman" panose="02020603050405020304" pitchFamily="18" charset="0"/>
+              <a:cs typeface="Times New Roman" panose="02020603050405020304" pitchFamily="18" charset="0"/>
+            </a:endParaRPr>
+          </a:p>
+        </p:txBody>
+      </p:sp>
+    </p:spTree>
+    <p:extLst>
+      <p:ext uri="{BB962C8B-B14F-4D97-AF65-F5344CB8AC3E}">
+        <p14:creationId xmlns:p14="http://schemas.microsoft.com/office/powerpoint/2010/main" val="2265524956"/>
+      </p:ext>
+    </p:extLst>
+  </p:cSld>
+  <p:clrMapOvr>
+    <a:masterClrMapping/>
+  </p:clrMapOvr>
+</p:sld>
+</file>
+
+<file path=ppt/slides/slide22.xml><?xml version="1.0" encoding="utf-8"?>
+<p:sld xmlns:a="http://schemas.openxmlformats.org/drawingml/2006/main" xmlns:r="http://schemas.openxmlformats.org/officeDocument/2006/relationships" xmlns:p="http://schemas.openxmlformats.org/presentationml/2006/main">
+  <p:cSld>
+    <p:spTree>
+      <p:nvGrpSpPr>
+        <p:cNvPr id="1" name=""/>
+        <p:cNvGrpSpPr/>
+        <p:nvPr/>
+      </p:nvGrpSpPr>
+      <p:grpSpPr>
+        <a:xfrm>
+          <a:off x="0" y="0"/>
+          <a:ext cx="0" cy="0"/>
+          <a:chOff x="0" y="0"/>
+          <a:chExt cx="0" cy="0"/>
+        </a:xfrm>
+      </p:grpSpPr>
+      <p:sp>
+        <p:nvSpPr>
+          <p:cNvPr id="2" name="矩形 1">
+            <a:extLst>
+              <a:ext uri="{FF2B5EF4-FFF2-40B4-BE49-F238E27FC236}">
+                <a16:creationId xmlns:a16="http://schemas.microsoft.com/office/drawing/2014/main" id="{DAA06339-8D6C-4369-B8A7-AD592324F978}"/>
+              </a:ext>
+            </a:extLst>
+          </p:cNvPr>
+          <p:cNvSpPr/>
+          <p:nvPr/>
+        </p:nvSpPr>
+        <p:spPr>
+          <a:xfrm>
+            <a:off x="5461505" y="266395"/>
+            <a:ext cx="1268989" cy="584775"/>
+          </a:xfrm>
+          <a:prstGeom prst="rect">
+            <a:avLst/>
+          </a:prstGeom>
+          <a:ln>
+            <a:noFill/>
+          </a:ln>
+        </p:spPr>
+        <p:txBody>
+          <a:bodyPr wrap="square">
+            <a:spAutoFit/>
+          </a:bodyPr>
+          <a:lstStyle/>
+          <a:p>
+            <a:r>
+              <a:rPr lang="en-US" altLang="zh-TW" sz="3200" dirty="0">
+                <a:latin typeface="Times New Roman" panose="02020603050405020304" pitchFamily="18" charset="0"/>
+                <a:cs typeface="Times New Roman" panose="02020603050405020304" pitchFamily="18" charset="0"/>
+              </a:rPr>
+              <a:t>Result</a:t>
+            </a:r>
+            <a:endParaRPr lang="zh-TW" altLang="en-US" sz="3200" dirty="0">
+              <a:latin typeface="Times New Roman" panose="02020603050405020304" pitchFamily="18" charset="0"/>
+              <a:cs typeface="Times New Roman" panose="02020603050405020304" pitchFamily="18" charset="0"/>
+            </a:endParaRPr>
+          </a:p>
+        </p:txBody>
+      </p:sp>
+      <p:pic>
+        <p:nvPicPr>
+          <p:cNvPr id="3" name="圖片 2">
+            <a:extLst>
+              <a:ext uri="{FF2B5EF4-FFF2-40B4-BE49-F238E27FC236}">
+                <a16:creationId xmlns:a16="http://schemas.microsoft.com/office/drawing/2014/main" id="{8C91A711-FCCE-4AB6-9033-BA347A0DBB99}"/>
+              </a:ext>
+            </a:extLst>
+          </p:cNvPr>
+          <p:cNvPicPr>
+            <a:picLocks noChangeAspect="1"/>
+          </p:cNvPicPr>
+          <p:nvPr/>
+        </p:nvPicPr>
+        <p:blipFill>
+          <a:blip r:embed="rId2"/>
+          <a:stretch>
+            <a:fillRect/>
+          </a:stretch>
+        </p:blipFill>
+        <p:spPr>
+          <a:xfrm>
+            <a:off x="333376" y="1862205"/>
+            <a:ext cx="3756086" cy="3825827"/>
+          </a:xfrm>
+          <a:prstGeom prst="rect">
+            <a:avLst/>
+          </a:prstGeom>
+        </p:spPr>
+      </p:pic>
+      <p:pic>
+        <p:nvPicPr>
+          <p:cNvPr id="4" name="圖片 3">
+            <a:extLst>
+              <a:ext uri="{FF2B5EF4-FFF2-40B4-BE49-F238E27FC236}">
+                <a16:creationId xmlns:a16="http://schemas.microsoft.com/office/drawing/2014/main" id="{4E8340AE-F193-4BB1-83E1-2AAFA9F57085}"/>
+              </a:ext>
+            </a:extLst>
+          </p:cNvPr>
+          <p:cNvPicPr>
+            <a:picLocks noChangeAspect="1"/>
+          </p:cNvPicPr>
+          <p:nvPr/>
+        </p:nvPicPr>
+        <p:blipFill>
+          <a:blip r:embed="rId3"/>
+          <a:stretch>
+            <a:fillRect/>
+          </a:stretch>
+        </p:blipFill>
+        <p:spPr>
+          <a:xfrm>
+            <a:off x="6523048" y="3070203"/>
+            <a:ext cx="4918267" cy="1409832"/>
+          </a:xfrm>
+          <a:prstGeom prst="rect">
+            <a:avLst/>
+          </a:prstGeom>
+        </p:spPr>
+      </p:pic>
+      <p:sp>
+        <p:nvSpPr>
+          <p:cNvPr id="5" name="文字方塊 4">
+            <a:extLst>
+              <a:ext uri="{FF2B5EF4-FFF2-40B4-BE49-F238E27FC236}">
+                <a16:creationId xmlns:a16="http://schemas.microsoft.com/office/drawing/2014/main" id="{03F6E149-F72C-4C75-A78B-F5F4489BE6C1}"/>
+              </a:ext>
+            </a:extLst>
+          </p:cNvPr>
+          <p:cNvSpPr txBox="1"/>
+          <p:nvPr/>
+        </p:nvSpPr>
+        <p:spPr>
+          <a:xfrm>
+            <a:off x="333376" y="1209675"/>
+            <a:ext cx="2228849" cy="369332"/>
+          </a:xfrm>
+          <a:prstGeom prst="rect">
+            <a:avLst/>
+          </a:prstGeom>
+          <a:noFill/>
+        </p:spPr>
+        <p:txBody>
+          <a:bodyPr wrap="square" rtlCol="0">
+            <a:spAutoFit/>
+          </a:bodyPr>
+          <a:lstStyle/>
+          <a:p>
+            <a:r>
+              <a:rPr lang="en-US" altLang="zh-TW" dirty="0" err="1">
+                <a:latin typeface="Times New Roman" panose="02020603050405020304" pitchFamily="18" charset="0"/>
+                <a:ea typeface="標楷體" panose="03000509000000000000" pitchFamily="65" charset="-120"/>
+                <a:cs typeface="Times New Roman" panose="02020603050405020304" pitchFamily="18" charset="0"/>
+              </a:rPr>
+              <a:t>Dashboad</a:t>
+            </a:r>
+            <a:r>
+              <a:rPr lang="zh-TW" altLang="en-US" dirty="0">
+                <a:latin typeface="Times New Roman" panose="02020603050405020304" pitchFamily="18" charset="0"/>
+                <a:ea typeface="標楷體" panose="03000509000000000000" pitchFamily="65" charset="-120"/>
+                <a:cs typeface="Times New Roman" panose="02020603050405020304" pitchFamily="18" charset="0"/>
+              </a:rPr>
+              <a:t>顯示電量</a:t>
+            </a:r>
+          </a:p>
+        </p:txBody>
+      </p:sp>
+    </p:spTree>
+    <p:extLst>
+      <p:ext uri="{BB962C8B-B14F-4D97-AF65-F5344CB8AC3E}">
+        <p14:creationId xmlns:p14="http://schemas.microsoft.com/office/powerpoint/2010/main" val="259655331"/>
+      </p:ext>
+    </p:extLst>
+  </p:cSld>
+  <p:clrMapOvr>
+    <a:masterClrMapping/>
+  </p:clrMapOvr>
+</p:sld>
+</file>
+
+<file path=ppt/slides/slide23.xml><?xml version="1.0" encoding="utf-8"?>
+<p:sld xmlns:a="http://schemas.openxmlformats.org/drawingml/2006/main" xmlns:r="http://schemas.openxmlformats.org/officeDocument/2006/relationships" xmlns:p="http://schemas.openxmlformats.org/presentationml/2006/main">
+  <p:cSld>
+    <p:spTree>
+      <p:nvGrpSpPr>
+        <p:cNvPr id="1" name=""/>
+        <p:cNvGrpSpPr/>
+        <p:nvPr/>
+      </p:nvGrpSpPr>
+      <p:grpSpPr>
+        <a:xfrm>
+          <a:off x="0" y="0"/>
+          <a:ext cx="0" cy="0"/>
+          <a:chOff x="0" y="0"/>
+          <a:chExt cx="0" cy="0"/>
+        </a:xfrm>
+      </p:grpSpPr>
+      <p:pic>
+        <p:nvPicPr>
+          <p:cNvPr id="2" name="圖片 1">
+            <a:extLst>
+              <a:ext uri="{FF2B5EF4-FFF2-40B4-BE49-F238E27FC236}">
+                <a16:creationId xmlns:a16="http://schemas.microsoft.com/office/drawing/2014/main" id="{FA3BD03A-7E8B-4B31-A85F-FBEE5582745F}"/>
+              </a:ext>
+            </a:extLst>
+          </p:cNvPr>
+          <p:cNvPicPr>
+            <a:picLocks noChangeAspect="1"/>
+          </p:cNvPicPr>
+          <p:nvPr/>
+        </p:nvPicPr>
+        <p:blipFill>
+          <a:blip r:embed="rId2"/>
+          <a:stretch>
+            <a:fillRect/>
+          </a:stretch>
+        </p:blipFill>
+        <p:spPr>
+          <a:xfrm>
+            <a:off x="802041" y="1092076"/>
+            <a:ext cx="6845652" cy="4826248"/>
+          </a:xfrm>
+          <a:prstGeom prst="rect">
+            <a:avLst/>
+          </a:prstGeom>
+        </p:spPr>
+      </p:pic>
+      <p:sp>
+        <p:nvSpPr>
+          <p:cNvPr id="3" name="矩形 2">
+            <a:extLst>
+              <a:ext uri="{FF2B5EF4-FFF2-40B4-BE49-F238E27FC236}">
+                <a16:creationId xmlns:a16="http://schemas.microsoft.com/office/drawing/2014/main" id="{F04185B4-BDE9-420B-8524-C5D5BD1CA147}"/>
+              </a:ext>
+            </a:extLst>
+          </p:cNvPr>
+          <p:cNvSpPr/>
+          <p:nvPr/>
+        </p:nvSpPr>
+        <p:spPr>
+          <a:xfrm>
+            <a:off x="5884333" y="1320800"/>
+            <a:ext cx="1608668" cy="4521324"/>
+          </a:xfrm>
+          <a:prstGeom prst="rect">
+            <a:avLst/>
+          </a:prstGeom>
+          <a:noFill/>
+          <a:ln w="28575">
+            <a:solidFill>
+              <a:srgbClr val="FF0000"/>
+            </a:solidFill>
+          </a:ln>
+        </p:spPr>
+        <p:style>
+          <a:lnRef idx="2">
+            <a:schemeClr val="accent1">
+              <a:shade val="50000"/>
+            </a:schemeClr>
+          </a:lnRef>
+          <a:fillRef idx="1">
+            <a:schemeClr val="accent1"/>
+          </a:fillRef>
+          <a:effectRef idx="0">
+            <a:schemeClr val="accent1"/>
+          </a:effectRef>
+          <a:fontRef idx="minor">
+            <a:schemeClr val="lt1"/>
+          </a:fontRef>
+        </p:style>
+        <p:txBody>
+          <a:bodyPr rtlCol="0" anchor="ctr"/>
+          <a:lstStyle/>
+          <a:p>
+            <a:pPr algn="ctr"/>
+            <a:endParaRPr lang="zh-TW" altLang="en-US"/>
+          </a:p>
+        </p:txBody>
+      </p:sp>
+    </p:spTree>
+    <p:extLst>
+      <p:ext uri="{BB962C8B-B14F-4D97-AF65-F5344CB8AC3E}">
+        <p14:creationId xmlns:p14="http://schemas.microsoft.com/office/powerpoint/2010/main" val="417797794"/>
+      </p:ext>
+    </p:extLst>
+  </p:cSld>
+  <p:clrMapOvr>
+    <a:masterClrMapping/>
+  </p:clrMapOvr>
+</p:sld>
+</file>
+
+<file path=ppt/slides/slide24.xml><?xml version="1.0" encoding="utf-8"?>
+<p:sld xmlns:a="http://schemas.openxmlformats.org/drawingml/2006/main" xmlns:r="http://schemas.openxmlformats.org/officeDocument/2006/relationships" xmlns:p="http://schemas.openxmlformats.org/presentationml/2006/main">
+  <p:cSld>
+    <p:spTree>
+      <p:nvGrpSpPr>
+        <p:cNvPr id="1" name=""/>
+        <p:cNvGrpSpPr/>
+        <p:nvPr/>
+      </p:nvGrpSpPr>
+      <p:grpSpPr>
+        <a:xfrm>
+          <a:off x="0" y="0"/>
+          <a:ext cx="0" cy="0"/>
+          <a:chOff x="0" y="0"/>
+          <a:chExt cx="0" cy="0"/>
+        </a:xfrm>
+      </p:grpSpPr>
+    </p:spTree>
+    <p:extLst>
+      <p:ext uri="{BB962C8B-B14F-4D97-AF65-F5344CB8AC3E}">
+        <p14:creationId xmlns:p14="http://schemas.microsoft.com/office/powerpoint/2010/main" val="423161605"/>
+      </p:ext>
+    </p:extLst>
+  </p:cSld>
+  <p:clrMapOvr>
+    <a:masterClrMapping/>
+  </p:clrMapOvr>
+</p:sld>
+</file>
+
+<file path=ppt/slides/slide25.xml><?xml version="1.0" encoding="utf-8"?>
+<p:sld xmlns:a="http://schemas.openxmlformats.org/drawingml/2006/main" xmlns:r="http://schemas.openxmlformats.org/officeDocument/2006/relationships" xmlns:p="http://schemas.openxmlformats.org/presentationml/2006/main">
+  <p:cSld>
+    <p:spTree>
+      <p:nvGrpSpPr>
+        <p:cNvPr id="1" name=""/>
+        <p:cNvGrpSpPr/>
+        <p:nvPr/>
+      </p:nvGrpSpPr>
+      <p:grpSpPr>
+        <a:xfrm>
+          <a:off x="0" y="0"/>
+          <a:ext cx="0" cy="0"/>
+          <a:chOff x="0" y="0"/>
+          <a:chExt cx="0" cy="0"/>
+        </a:xfrm>
+      </p:grpSpPr>
+      <p:sp>
+        <p:nvSpPr>
+          <p:cNvPr id="2" name="文字方塊 1">
+            <a:extLst>
+              <a:ext uri="{FF2B5EF4-FFF2-40B4-BE49-F238E27FC236}">
+                <a16:creationId xmlns:a16="http://schemas.microsoft.com/office/drawing/2014/main" id="{6207E7AE-EB9B-407A-A44F-8B3DA90FD2D5}"/>
+              </a:ext>
+            </a:extLst>
+          </p:cNvPr>
+          <p:cNvSpPr txBox="1"/>
+          <p:nvPr/>
+        </p:nvSpPr>
+        <p:spPr>
+          <a:xfrm>
+            <a:off x="2495550" y="2381250"/>
+            <a:ext cx="7429500" cy="1107996"/>
+          </a:xfrm>
+          <a:prstGeom prst="rect">
+            <a:avLst/>
+          </a:prstGeom>
+          <a:noFill/>
+        </p:spPr>
+        <p:txBody>
+          <a:bodyPr wrap="square" rtlCol="0">
+            <a:spAutoFit/>
+          </a:bodyPr>
+          <a:lstStyle/>
+          <a:p>
+            <a:r>
+              <a:rPr lang="en-US" altLang="zh-TW" sz="6600" dirty="0"/>
+              <a:t>disconnect</a:t>
+            </a:r>
+            <a:endParaRPr lang="zh-TW" altLang="en-US" sz="6600" dirty="0"/>
+          </a:p>
+        </p:txBody>
+      </p:sp>
+    </p:spTree>
+    <p:extLst>
+      <p:ext uri="{BB962C8B-B14F-4D97-AF65-F5344CB8AC3E}">
+        <p14:creationId xmlns:p14="http://schemas.microsoft.com/office/powerpoint/2010/main" val="3785022686"/>
+      </p:ext>
+    </p:extLst>
+  </p:cSld>
+  <p:clrMapOvr>
+    <a:masterClrMapping/>
+  </p:clrMapOvr>
+</p:sld>
+</file>
+
+<file path=ppt/slides/slide26.xml><?xml version="1.0" encoding="utf-8"?>
+<p:sld xmlns:a="http://schemas.openxmlformats.org/drawingml/2006/main" xmlns:r="http://schemas.openxmlformats.org/officeDocument/2006/relationships" xmlns:p="http://schemas.openxmlformats.org/presentationml/2006/main">
+  <p:cSld>
+    <p:spTree>
+      <p:nvGrpSpPr>
+        <p:cNvPr id="1" name=""/>
+        <p:cNvGrpSpPr/>
+        <p:nvPr/>
+      </p:nvGrpSpPr>
+      <p:grpSpPr>
+        <a:xfrm>
+          <a:off x="0" y="0"/>
+          <a:ext cx="0" cy="0"/>
+          <a:chOff x="0" y="0"/>
+          <a:chExt cx="0" cy="0"/>
+        </a:xfrm>
+      </p:grpSpPr>
+      <p:pic>
+        <p:nvPicPr>
+          <p:cNvPr id="2" name="圖片 1">
+            <a:extLst>
+              <a:ext uri="{FF2B5EF4-FFF2-40B4-BE49-F238E27FC236}">
+                <a16:creationId xmlns:a16="http://schemas.microsoft.com/office/drawing/2014/main" id="{E81B0B21-B8E0-4119-9789-52635E1D6446}"/>
+              </a:ext>
+            </a:extLst>
+          </p:cNvPr>
+          <p:cNvPicPr>
+            <a:picLocks noChangeAspect="1"/>
+          </p:cNvPicPr>
+          <p:nvPr/>
+        </p:nvPicPr>
+        <p:blipFill>
+          <a:blip r:embed="rId2"/>
+          <a:stretch>
+            <a:fillRect/>
+          </a:stretch>
+        </p:blipFill>
+        <p:spPr>
+          <a:xfrm>
+            <a:off x="2466788" y="2806668"/>
+            <a:ext cx="7258423" cy="1244664"/>
+          </a:xfrm>
+          <a:prstGeom prst="rect">
+            <a:avLst/>
+          </a:prstGeom>
+        </p:spPr>
+      </p:pic>
+    </p:spTree>
+    <p:extLst>
+      <p:ext uri="{BB962C8B-B14F-4D97-AF65-F5344CB8AC3E}">
+        <p14:creationId xmlns:p14="http://schemas.microsoft.com/office/powerpoint/2010/main" val="35462320"/>
+      </p:ext>
+    </p:extLst>
+  </p:cSld>
+  <p:clrMapOvr>
+    <a:masterClrMapping/>
+  </p:clrMapOvr>
+</p:sld>
+</file>
+
+<file path=ppt/slides/slide27.xml><?xml version="1.0" encoding="utf-8"?>
+<p:sld xmlns:a="http://schemas.openxmlformats.org/drawingml/2006/main" xmlns:r="http://schemas.openxmlformats.org/officeDocument/2006/relationships" xmlns:p="http://schemas.openxmlformats.org/presentationml/2006/main">
+  <p:cSld>
+    <p:spTree>
+      <p:nvGrpSpPr>
+        <p:cNvPr id="1" name=""/>
+        <p:cNvGrpSpPr/>
+        <p:nvPr/>
+      </p:nvGrpSpPr>
+      <p:grpSpPr>
+        <a:xfrm>
+          <a:off x="0" y="0"/>
+          <a:ext cx="0" cy="0"/>
+          <a:chOff x="0" y="0"/>
+          <a:chExt cx="0" cy="0"/>
+        </a:xfrm>
+      </p:grpSpPr>
+      <p:sp>
+        <p:nvSpPr>
+          <p:cNvPr id="2" name="文字方塊 1">
+            <a:extLst>
+              <a:ext uri="{FF2B5EF4-FFF2-40B4-BE49-F238E27FC236}">
+                <a16:creationId xmlns:a16="http://schemas.microsoft.com/office/drawing/2014/main" id="{6207E7AE-EB9B-407A-A44F-8B3DA90FD2D5}"/>
+              </a:ext>
+            </a:extLst>
+          </p:cNvPr>
+          <p:cNvSpPr txBox="1"/>
+          <p:nvPr/>
+        </p:nvSpPr>
+        <p:spPr>
+          <a:xfrm>
+            <a:off x="2495550" y="2381250"/>
+            <a:ext cx="7429500" cy="1107996"/>
+          </a:xfrm>
+          <a:prstGeom prst="rect">
+            <a:avLst/>
+          </a:prstGeom>
+          <a:noFill/>
+        </p:spPr>
+        <p:txBody>
+          <a:bodyPr wrap="square" rtlCol="0">
+            <a:spAutoFit/>
+          </a:bodyPr>
+          <a:lstStyle/>
+          <a:p>
+            <a:r>
+              <a:rPr lang="en-US" altLang="zh-TW" sz="6600" dirty="0"/>
+              <a:t>step</a:t>
+            </a:r>
+            <a:endParaRPr lang="zh-TW" altLang="en-US" sz="6600" dirty="0"/>
+          </a:p>
+        </p:txBody>
+      </p:sp>
+    </p:spTree>
+    <p:extLst>
+      <p:ext uri="{BB962C8B-B14F-4D97-AF65-F5344CB8AC3E}">
+        <p14:creationId xmlns:p14="http://schemas.microsoft.com/office/powerpoint/2010/main" val="1187229169"/>
+      </p:ext>
+    </p:extLst>
+  </p:cSld>
+  <p:clrMapOvr>
+    <a:masterClrMapping/>
+  </p:clrMapOvr>
+</p:sld>
+</file>
+
+<file path=ppt/slides/slide28.xml><?xml version="1.0" encoding="utf-8"?>
+<p:sld xmlns:a="http://schemas.openxmlformats.org/drawingml/2006/main" xmlns:r="http://schemas.openxmlformats.org/officeDocument/2006/relationships" xmlns:p="http://schemas.openxmlformats.org/presentationml/2006/main">
+  <p:cSld>
+    <p:spTree>
+      <p:nvGrpSpPr>
+        <p:cNvPr id="1" name=""/>
+        <p:cNvGrpSpPr/>
+        <p:nvPr/>
+      </p:nvGrpSpPr>
+      <p:grpSpPr>
+        <a:xfrm>
+          <a:off x="0" y="0"/>
+          <a:ext cx="0" cy="0"/>
+          <a:chOff x="0" y="0"/>
+          <a:chExt cx="0" cy="0"/>
+        </a:xfrm>
+      </p:grpSpPr>
+      <p:pic>
+        <p:nvPicPr>
+          <p:cNvPr id="2" name="圖片 1">
+            <a:extLst>
+              <a:ext uri="{FF2B5EF4-FFF2-40B4-BE49-F238E27FC236}">
+                <a16:creationId xmlns:a16="http://schemas.microsoft.com/office/drawing/2014/main" id="{E1DB2231-1174-4515-AC33-5769783B5AC2}"/>
+              </a:ext>
+            </a:extLst>
+          </p:cNvPr>
+          <p:cNvPicPr>
+            <a:picLocks noChangeAspect="1"/>
+          </p:cNvPicPr>
+          <p:nvPr/>
+        </p:nvPicPr>
+        <p:blipFill>
+          <a:blip r:embed="rId2"/>
+          <a:stretch>
+            <a:fillRect/>
+          </a:stretch>
+        </p:blipFill>
+        <p:spPr>
+          <a:xfrm>
+            <a:off x="646121" y="371474"/>
+            <a:ext cx="4403708" cy="1524002"/>
+          </a:xfrm>
+          <a:prstGeom prst="rect">
+            <a:avLst/>
+          </a:prstGeom>
+        </p:spPr>
+      </p:pic>
+      <p:pic>
+        <p:nvPicPr>
+          <p:cNvPr id="3" name="圖片 2">
+            <a:extLst>
+              <a:ext uri="{FF2B5EF4-FFF2-40B4-BE49-F238E27FC236}">
+                <a16:creationId xmlns:a16="http://schemas.microsoft.com/office/drawing/2014/main" id="{503C9495-01DA-44F2-B2A4-9A9167C02BA6}"/>
+              </a:ext>
+            </a:extLst>
+          </p:cNvPr>
+          <p:cNvPicPr>
+            <a:picLocks noChangeAspect="1"/>
+          </p:cNvPicPr>
+          <p:nvPr/>
+        </p:nvPicPr>
+        <p:blipFill>
+          <a:blip r:embed="rId3"/>
+          <a:stretch>
+            <a:fillRect/>
+          </a:stretch>
+        </p:blipFill>
+        <p:spPr>
+          <a:xfrm>
+            <a:off x="646121" y="2222572"/>
+            <a:ext cx="4618046" cy="1206428"/>
+          </a:xfrm>
+          <a:prstGeom prst="rect">
+            <a:avLst/>
+          </a:prstGeom>
+        </p:spPr>
+      </p:pic>
+      <p:pic>
+        <p:nvPicPr>
+          <p:cNvPr id="4" name="圖片 3">
+            <a:extLst>
+              <a:ext uri="{FF2B5EF4-FFF2-40B4-BE49-F238E27FC236}">
+                <a16:creationId xmlns:a16="http://schemas.microsoft.com/office/drawing/2014/main" id="{937FEB40-8A58-4314-BBE6-35EA6E6572E2}"/>
+              </a:ext>
+            </a:extLst>
+          </p:cNvPr>
+          <p:cNvPicPr>
+            <a:picLocks noChangeAspect="1"/>
+          </p:cNvPicPr>
+          <p:nvPr/>
+        </p:nvPicPr>
+        <p:blipFill>
+          <a:blip r:embed="rId4"/>
+          <a:stretch>
+            <a:fillRect/>
+          </a:stretch>
+        </p:blipFill>
+        <p:spPr>
+          <a:xfrm>
+            <a:off x="6884998" y="3685095"/>
+            <a:ext cx="4278177" cy="1206427"/>
+          </a:xfrm>
+          <a:prstGeom prst="rect">
+            <a:avLst/>
+          </a:prstGeom>
+        </p:spPr>
+      </p:pic>
+      <p:pic>
+        <p:nvPicPr>
+          <p:cNvPr id="5" name="圖片 4">
+            <a:extLst>
+              <a:ext uri="{FF2B5EF4-FFF2-40B4-BE49-F238E27FC236}">
+                <a16:creationId xmlns:a16="http://schemas.microsoft.com/office/drawing/2014/main" id="{116B8FAD-E0A4-42CB-A1C3-18C0CF94CAF3}"/>
+              </a:ext>
+            </a:extLst>
+          </p:cNvPr>
+          <p:cNvPicPr>
+            <a:picLocks noChangeAspect="1"/>
+          </p:cNvPicPr>
+          <p:nvPr/>
+        </p:nvPicPr>
+        <p:blipFill>
+          <a:blip r:embed="rId5"/>
+          <a:stretch>
+            <a:fillRect/>
+          </a:stretch>
+        </p:blipFill>
+        <p:spPr>
+          <a:xfrm>
+            <a:off x="6884998" y="612753"/>
+            <a:ext cx="4242239" cy="1216047"/>
+          </a:xfrm>
+          <a:prstGeom prst="rect">
+            <a:avLst/>
+          </a:prstGeom>
+        </p:spPr>
+      </p:pic>
+      <p:pic>
+        <p:nvPicPr>
+          <p:cNvPr id="6" name="圖片 5">
+            <a:extLst>
+              <a:ext uri="{FF2B5EF4-FFF2-40B4-BE49-F238E27FC236}">
+                <a16:creationId xmlns:a16="http://schemas.microsoft.com/office/drawing/2014/main" id="{AA81B76A-8512-49E9-A982-5E7D8299F26F}"/>
+              </a:ext>
+            </a:extLst>
+          </p:cNvPr>
+          <p:cNvPicPr>
+            <a:picLocks noChangeAspect="1"/>
+          </p:cNvPicPr>
+          <p:nvPr/>
+        </p:nvPicPr>
+        <p:blipFill>
+          <a:blip r:embed="rId6"/>
+          <a:stretch>
+            <a:fillRect/>
+          </a:stretch>
+        </p:blipFill>
+        <p:spPr>
+          <a:xfrm>
+            <a:off x="7567541" y="2325716"/>
+            <a:ext cx="3978338" cy="1000140"/>
+          </a:xfrm>
+          <a:prstGeom prst="rect">
+            <a:avLst/>
+          </a:prstGeom>
+        </p:spPr>
+      </p:pic>
+    </p:spTree>
+    <p:extLst>
+      <p:ext uri="{BB962C8B-B14F-4D97-AF65-F5344CB8AC3E}">
+        <p14:creationId xmlns:p14="http://schemas.microsoft.com/office/powerpoint/2010/main" val="207503656"/>
+      </p:ext>
+    </p:extLst>
+  </p:cSld>
+  <p:clrMapOvr>
+    <a:masterClrMapping/>
+  </p:clrMapOvr>
+</p:sld>
+</file>
+
+<file path=ppt/slides/slide29.xml><?xml version="1.0" encoding="utf-8"?>
+<p:sld xmlns:a="http://schemas.openxmlformats.org/drawingml/2006/main" xmlns:r="http://schemas.openxmlformats.org/officeDocument/2006/relationships" xmlns:p="http://schemas.openxmlformats.org/presentationml/2006/main">
+  <p:cSld>
+    <p:spTree>
+      <p:nvGrpSpPr>
+        <p:cNvPr id="1" name=""/>
+        <p:cNvGrpSpPr/>
+        <p:nvPr/>
+      </p:nvGrpSpPr>
+      <p:grpSpPr>
+        <a:xfrm>
+          <a:off x="0" y="0"/>
+          <a:ext cx="0" cy="0"/>
+          <a:chOff x="0" y="0"/>
+          <a:chExt cx="0" cy="0"/>
+        </a:xfrm>
+      </p:grpSpPr>
+      <p:pic>
+        <p:nvPicPr>
+          <p:cNvPr id="3" name="圖片 2">
+            <a:extLst>
+              <a:ext uri="{FF2B5EF4-FFF2-40B4-BE49-F238E27FC236}">
+                <a16:creationId xmlns:a16="http://schemas.microsoft.com/office/drawing/2014/main" id="{351A2DC8-E385-4F7A-8F7B-86C92E4062F1}"/>
+              </a:ext>
+            </a:extLst>
+          </p:cNvPr>
+          <p:cNvPicPr>
+            <a:picLocks noChangeAspect="1"/>
+          </p:cNvPicPr>
+          <p:nvPr/>
+        </p:nvPicPr>
+        <p:blipFill>
+          <a:blip r:embed="rId2"/>
+          <a:stretch>
+            <a:fillRect/>
+          </a:stretch>
+        </p:blipFill>
+        <p:spPr>
+          <a:xfrm>
+            <a:off x="0" y="815975"/>
+            <a:ext cx="12192000" cy="5226050"/>
+          </a:xfrm>
+          <a:prstGeom prst="rect">
+            <a:avLst/>
+          </a:prstGeom>
+        </p:spPr>
+      </p:pic>
+    </p:spTree>
+    <p:extLst>
+      <p:ext uri="{BB962C8B-B14F-4D97-AF65-F5344CB8AC3E}">
+        <p14:creationId xmlns:p14="http://schemas.microsoft.com/office/powerpoint/2010/main" val="723691045"/>
+      </p:ext>
+    </p:extLst>
+  </p:cSld>
+  <p:clrMapOvr>
+    <a:masterClrMapping/>
+  </p:clrMapOvr>
+</p:sld>
+</file>
+
 <file path=ppt/slides/slide3.xml><?xml version="1.0" encoding="utf-8"?>
 <p:sld xmlns:a="http://schemas.openxmlformats.org/drawingml/2006/main" xmlns:r="http://schemas.openxmlformats.org/officeDocument/2006/relationships" xmlns:p="http://schemas.openxmlformats.org/presentationml/2006/main">
   <p:cSld>
@@ -4889,6 +8288,936 @@
     <p:extLst>
       <p:ext uri="{BB962C8B-B14F-4D97-AF65-F5344CB8AC3E}">
         <p14:creationId xmlns:p14="http://schemas.microsoft.com/office/powerpoint/2010/main" val="2670228473"/>
+      </p:ext>
+    </p:extLst>
+  </p:cSld>
+  <p:clrMapOvr>
+    <a:masterClrMapping/>
+  </p:clrMapOvr>
+</p:sld>
+</file>
+
+<file path=ppt/slides/slide30.xml><?xml version="1.0" encoding="utf-8"?>
+<p:sld xmlns:a="http://schemas.openxmlformats.org/drawingml/2006/main" xmlns:r="http://schemas.openxmlformats.org/officeDocument/2006/relationships" xmlns:p="http://schemas.openxmlformats.org/presentationml/2006/main">
+  <p:cSld>
+    <p:spTree>
+      <p:nvGrpSpPr>
+        <p:cNvPr id="1" name=""/>
+        <p:cNvGrpSpPr/>
+        <p:nvPr/>
+      </p:nvGrpSpPr>
+      <p:grpSpPr>
+        <a:xfrm>
+          <a:off x="0" y="0"/>
+          <a:ext cx="0" cy="0"/>
+          <a:chOff x="0" y="0"/>
+          <a:chExt cx="0" cy="0"/>
+        </a:xfrm>
+      </p:grpSpPr>
+      <p:pic>
+        <p:nvPicPr>
+          <p:cNvPr id="7" name="圖片 6">
+            <a:extLst>
+              <a:ext uri="{FF2B5EF4-FFF2-40B4-BE49-F238E27FC236}">
+                <a16:creationId xmlns:a16="http://schemas.microsoft.com/office/drawing/2014/main" id="{2661A92F-7859-4082-B3D9-8CA768DA66A4}"/>
+              </a:ext>
+            </a:extLst>
+          </p:cNvPr>
+          <p:cNvPicPr>
+            <a:picLocks noChangeAspect="1"/>
+          </p:cNvPicPr>
+          <p:nvPr/>
+        </p:nvPicPr>
+        <p:blipFill>
+          <a:blip r:embed="rId2"/>
+          <a:stretch>
+            <a:fillRect/>
+          </a:stretch>
+        </p:blipFill>
+        <p:spPr>
+          <a:xfrm>
+            <a:off x="399988" y="260332"/>
+            <a:ext cx="2949964" cy="835043"/>
+          </a:xfrm>
+          <a:prstGeom prst="rect">
+            <a:avLst/>
+          </a:prstGeom>
+        </p:spPr>
+      </p:pic>
+      <p:pic>
+        <p:nvPicPr>
+          <p:cNvPr id="8" name="圖片 7">
+            <a:extLst>
+              <a:ext uri="{FF2B5EF4-FFF2-40B4-BE49-F238E27FC236}">
+                <a16:creationId xmlns:a16="http://schemas.microsoft.com/office/drawing/2014/main" id="{B3B69FB6-A2A1-4D32-8EAD-3C3BE7422533}"/>
+              </a:ext>
+            </a:extLst>
+          </p:cNvPr>
+          <p:cNvPicPr>
+            <a:picLocks noChangeAspect="1"/>
+          </p:cNvPicPr>
+          <p:nvPr/>
+        </p:nvPicPr>
+        <p:blipFill>
+          <a:blip r:embed="rId3"/>
+          <a:stretch>
+            <a:fillRect/>
+          </a:stretch>
+        </p:blipFill>
+        <p:spPr>
+          <a:xfrm>
+            <a:off x="520637" y="2041462"/>
+            <a:ext cx="2444876" cy="2432175"/>
+          </a:xfrm>
+          <a:prstGeom prst="rect">
+            <a:avLst/>
+          </a:prstGeom>
+        </p:spPr>
+      </p:pic>
+      <p:pic>
+        <p:nvPicPr>
+          <p:cNvPr id="9" name="圖片 8">
+            <a:extLst>
+              <a:ext uri="{FF2B5EF4-FFF2-40B4-BE49-F238E27FC236}">
+                <a16:creationId xmlns:a16="http://schemas.microsoft.com/office/drawing/2014/main" id="{D5B6BD21-2167-47F5-84A1-51DC08B6B880}"/>
+              </a:ext>
+            </a:extLst>
+          </p:cNvPr>
+          <p:cNvPicPr>
+            <a:picLocks noChangeAspect="1"/>
+          </p:cNvPicPr>
+          <p:nvPr/>
+        </p:nvPicPr>
+        <p:blipFill>
+          <a:blip r:embed="rId4"/>
+          <a:stretch>
+            <a:fillRect/>
+          </a:stretch>
+        </p:blipFill>
+        <p:spPr>
+          <a:xfrm>
+            <a:off x="4457638" y="457137"/>
+            <a:ext cx="2419474" cy="2438525"/>
+          </a:xfrm>
+          <a:prstGeom prst="rect">
+            <a:avLst/>
+          </a:prstGeom>
+        </p:spPr>
+      </p:pic>
+      <p:pic>
+        <p:nvPicPr>
+          <p:cNvPr id="10" name="圖片 9">
+            <a:extLst>
+              <a:ext uri="{FF2B5EF4-FFF2-40B4-BE49-F238E27FC236}">
+                <a16:creationId xmlns:a16="http://schemas.microsoft.com/office/drawing/2014/main" id="{EC413381-9088-4FCB-901E-CECE82D73A65}"/>
+              </a:ext>
+            </a:extLst>
+          </p:cNvPr>
+          <p:cNvPicPr>
+            <a:picLocks noChangeAspect="1"/>
+          </p:cNvPicPr>
+          <p:nvPr/>
+        </p:nvPicPr>
+        <p:blipFill>
+          <a:blip r:embed="rId5"/>
+          <a:stretch>
+            <a:fillRect/>
+          </a:stretch>
+        </p:blipFill>
+        <p:spPr>
+          <a:xfrm>
+            <a:off x="4457638" y="3352737"/>
+            <a:ext cx="2394073" cy="2438525"/>
+          </a:xfrm>
+          <a:prstGeom prst="rect">
+            <a:avLst/>
+          </a:prstGeom>
+        </p:spPr>
+      </p:pic>
+      <p:pic>
+        <p:nvPicPr>
+          <p:cNvPr id="11" name="圖片 10">
+            <a:extLst>
+              <a:ext uri="{FF2B5EF4-FFF2-40B4-BE49-F238E27FC236}">
+                <a16:creationId xmlns:a16="http://schemas.microsoft.com/office/drawing/2014/main" id="{BD6D49E5-8E31-4180-BC63-BDE25501D77C}"/>
+              </a:ext>
+            </a:extLst>
+          </p:cNvPr>
+          <p:cNvPicPr>
+            <a:picLocks noChangeAspect="1"/>
+          </p:cNvPicPr>
+          <p:nvPr/>
+        </p:nvPicPr>
+        <p:blipFill>
+          <a:blip r:embed="rId6"/>
+          <a:stretch>
+            <a:fillRect/>
+          </a:stretch>
+        </p:blipFill>
+        <p:spPr>
+          <a:xfrm>
+            <a:off x="8099363" y="142822"/>
+            <a:ext cx="2413124" cy="2038455"/>
+          </a:xfrm>
+          <a:prstGeom prst="rect">
+            <a:avLst/>
+          </a:prstGeom>
+        </p:spPr>
+      </p:pic>
+      <p:pic>
+        <p:nvPicPr>
+          <p:cNvPr id="12" name="圖片 11">
+            <a:extLst>
+              <a:ext uri="{FF2B5EF4-FFF2-40B4-BE49-F238E27FC236}">
+                <a16:creationId xmlns:a16="http://schemas.microsoft.com/office/drawing/2014/main" id="{B82C4A07-70EE-4AD6-AC13-AF2803E09D19}"/>
+              </a:ext>
+            </a:extLst>
+          </p:cNvPr>
+          <p:cNvPicPr>
+            <a:picLocks noChangeAspect="1"/>
+          </p:cNvPicPr>
+          <p:nvPr/>
+        </p:nvPicPr>
+        <p:blipFill>
+          <a:blip r:embed="rId7"/>
+          <a:stretch>
+            <a:fillRect/>
+          </a:stretch>
+        </p:blipFill>
+        <p:spPr>
+          <a:xfrm>
+            <a:off x="7819962" y="3365437"/>
+            <a:ext cx="2438525" cy="2425825"/>
+          </a:xfrm>
+          <a:prstGeom prst="rect">
+            <a:avLst/>
+          </a:prstGeom>
+        </p:spPr>
+      </p:pic>
+    </p:spTree>
+    <p:extLst>
+      <p:ext uri="{BB962C8B-B14F-4D97-AF65-F5344CB8AC3E}">
+        <p14:creationId xmlns:p14="http://schemas.microsoft.com/office/powerpoint/2010/main" val="1331382711"/>
+      </p:ext>
+    </p:extLst>
+  </p:cSld>
+  <p:clrMapOvr>
+    <a:masterClrMapping/>
+  </p:clrMapOvr>
+</p:sld>
+</file>
+
+<file path=ppt/slides/slide31.xml><?xml version="1.0" encoding="utf-8"?>
+<p:sld xmlns:a="http://schemas.openxmlformats.org/drawingml/2006/main" xmlns:r="http://schemas.openxmlformats.org/officeDocument/2006/relationships" xmlns:p="http://schemas.openxmlformats.org/presentationml/2006/main">
+  <p:cSld>
+    <p:spTree>
+      <p:nvGrpSpPr>
+        <p:cNvPr id="1" name=""/>
+        <p:cNvGrpSpPr/>
+        <p:nvPr/>
+      </p:nvGrpSpPr>
+      <p:grpSpPr>
+        <a:xfrm>
+          <a:off x="0" y="0"/>
+          <a:ext cx="0" cy="0"/>
+          <a:chOff x="0" y="0"/>
+          <a:chExt cx="0" cy="0"/>
+        </a:xfrm>
+      </p:grpSpPr>
+      <p:pic>
+        <p:nvPicPr>
+          <p:cNvPr id="2" name="圖片 1">
+            <a:extLst>
+              <a:ext uri="{FF2B5EF4-FFF2-40B4-BE49-F238E27FC236}">
+                <a16:creationId xmlns:a16="http://schemas.microsoft.com/office/drawing/2014/main" id="{814E343C-5A14-4174-888B-A9054E7A53CB}"/>
+              </a:ext>
+            </a:extLst>
+          </p:cNvPr>
+          <p:cNvPicPr>
+            <a:picLocks noChangeAspect="1"/>
+          </p:cNvPicPr>
+          <p:nvPr/>
+        </p:nvPicPr>
+        <p:blipFill>
+          <a:blip r:embed="rId2"/>
+          <a:stretch>
+            <a:fillRect/>
+          </a:stretch>
+        </p:blipFill>
+        <p:spPr>
+          <a:xfrm>
+            <a:off x="1545226" y="275078"/>
+            <a:ext cx="8481599" cy="6307843"/>
+          </a:xfrm>
+          <a:prstGeom prst="rect">
+            <a:avLst/>
+          </a:prstGeom>
+        </p:spPr>
+      </p:pic>
+    </p:spTree>
+    <p:extLst>
+      <p:ext uri="{BB962C8B-B14F-4D97-AF65-F5344CB8AC3E}">
+        <p14:creationId xmlns:p14="http://schemas.microsoft.com/office/powerpoint/2010/main" val="358492014"/>
+      </p:ext>
+    </p:extLst>
+  </p:cSld>
+  <p:clrMapOvr>
+    <a:masterClrMapping/>
+  </p:clrMapOvr>
+</p:sld>
+</file>
+
+<file path=ppt/slides/slide32.xml><?xml version="1.0" encoding="utf-8"?>
+<p:sld xmlns:a="http://schemas.openxmlformats.org/drawingml/2006/main" xmlns:r="http://schemas.openxmlformats.org/officeDocument/2006/relationships" xmlns:p="http://schemas.openxmlformats.org/presentationml/2006/main">
+  <p:cSld>
+    <p:spTree>
+      <p:nvGrpSpPr>
+        <p:cNvPr id="1" name=""/>
+        <p:cNvGrpSpPr/>
+        <p:nvPr/>
+      </p:nvGrpSpPr>
+      <p:grpSpPr>
+        <a:xfrm>
+          <a:off x="0" y="0"/>
+          <a:ext cx="0" cy="0"/>
+          <a:chOff x="0" y="0"/>
+          <a:chExt cx="0" cy="0"/>
+        </a:xfrm>
+      </p:grpSpPr>
+      <p:pic>
+        <p:nvPicPr>
+          <p:cNvPr id="2" name="圖片 1">
+            <a:extLst>
+              <a:ext uri="{FF2B5EF4-FFF2-40B4-BE49-F238E27FC236}">
+                <a16:creationId xmlns:a16="http://schemas.microsoft.com/office/drawing/2014/main" id="{8094A071-1B92-4108-8163-70936BD2316E}"/>
+              </a:ext>
+            </a:extLst>
+          </p:cNvPr>
+          <p:cNvPicPr>
+            <a:picLocks noChangeAspect="1"/>
+          </p:cNvPicPr>
+          <p:nvPr/>
+        </p:nvPicPr>
+        <p:blipFill>
+          <a:blip r:embed="rId2"/>
+          <a:stretch>
+            <a:fillRect/>
+          </a:stretch>
+        </p:blipFill>
+        <p:spPr>
+          <a:xfrm>
+            <a:off x="636038" y="333375"/>
+            <a:ext cx="10587796" cy="6326250"/>
+          </a:xfrm>
+          <a:prstGeom prst="rect">
+            <a:avLst/>
+          </a:prstGeom>
+        </p:spPr>
+      </p:pic>
+    </p:spTree>
+    <p:extLst>
+      <p:ext uri="{BB962C8B-B14F-4D97-AF65-F5344CB8AC3E}">
+        <p14:creationId xmlns:p14="http://schemas.microsoft.com/office/powerpoint/2010/main" val="851198443"/>
+      </p:ext>
+    </p:extLst>
+  </p:cSld>
+  <p:clrMapOvr>
+    <a:masterClrMapping/>
+  </p:clrMapOvr>
+</p:sld>
+</file>
+
+<file path=ppt/slides/slide33.xml><?xml version="1.0" encoding="utf-8"?>
+<p:sld xmlns:a="http://schemas.openxmlformats.org/drawingml/2006/main" xmlns:r="http://schemas.openxmlformats.org/officeDocument/2006/relationships" xmlns:p="http://schemas.openxmlformats.org/presentationml/2006/main">
+  <p:cSld>
+    <p:spTree>
+      <p:nvGrpSpPr>
+        <p:cNvPr id="1" name=""/>
+        <p:cNvGrpSpPr/>
+        <p:nvPr/>
+      </p:nvGrpSpPr>
+      <p:grpSpPr>
+        <a:xfrm>
+          <a:off x="0" y="0"/>
+          <a:ext cx="0" cy="0"/>
+          <a:chOff x="0" y="0"/>
+          <a:chExt cx="0" cy="0"/>
+        </a:xfrm>
+      </p:grpSpPr>
+      <p:sp>
+        <p:nvSpPr>
+          <p:cNvPr id="2" name="矩形 1">
+            <a:extLst>
+              <a:ext uri="{FF2B5EF4-FFF2-40B4-BE49-F238E27FC236}">
+                <a16:creationId xmlns:a16="http://schemas.microsoft.com/office/drawing/2014/main" id="{0D75B5A6-EEC7-4FD0-8936-8286D23E92B6}"/>
+              </a:ext>
+            </a:extLst>
+          </p:cNvPr>
+          <p:cNvSpPr/>
+          <p:nvPr/>
+        </p:nvSpPr>
+        <p:spPr>
+          <a:xfrm>
+            <a:off x="2005998" y="380037"/>
+            <a:ext cx="3869869" cy="1477328"/>
+          </a:xfrm>
+          <a:prstGeom prst="rect">
+            <a:avLst/>
+          </a:prstGeom>
+          <a:solidFill>
+            <a:schemeClr val="bg1"/>
+          </a:solidFill>
+          <a:ln>
+            <a:solidFill>
+              <a:schemeClr val="tx1"/>
+            </a:solidFill>
+          </a:ln>
+        </p:spPr>
+        <p:txBody>
+          <a:bodyPr wrap="square">
+            <a:spAutoFit/>
+          </a:bodyPr>
+          <a:lstStyle/>
+          <a:p>
+            <a:r>
+              <a:rPr lang="en-US" altLang="zh-TW" dirty="0">
+                <a:solidFill>
+                  <a:srgbClr val="0000FF"/>
+                </a:solidFill>
+                <a:latin typeface="Consolas" panose="020B0609020204030204" pitchFamily="49" charset="0"/>
+              </a:rPr>
+              <a:t>var</a:t>
+            </a:r>
+            <a:r>
+              <a:rPr lang="en-US" altLang="zh-TW" dirty="0">
+                <a:solidFill>
+                  <a:srgbClr val="000000"/>
+                </a:solidFill>
+                <a:latin typeface="Consolas" panose="020B0609020204030204" pitchFamily="49" charset="0"/>
+              </a:rPr>
+              <a:t> message = </a:t>
+            </a:r>
+            <a:r>
+              <a:rPr lang="en-US" altLang="zh-TW" dirty="0">
+                <a:solidFill>
+                  <a:srgbClr val="A31515"/>
+                </a:solidFill>
+                <a:latin typeface="Consolas" panose="020B0609020204030204" pitchFamily="49" charset="0"/>
+              </a:rPr>
+              <a:t>"High heart rate \n heart rate:"</a:t>
+            </a:r>
+            <a:r>
+              <a:rPr lang="en-US" altLang="zh-TW" dirty="0">
+                <a:solidFill>
+                  <a:srgbClr val="000000"/>
+                </a:solidFill>
+                <a:latin typeface="Consolas" panose="020B0609020204030204" pitchFamily="49" charset="0"/>
+              </a:rPr>
+              <a:t> + </a:t>
+            </a:r>
+            <a:r>
+              <a:rPr lang="en-US" altLang="zh-TW" dirty="0" err="1">
+                <a:solidFill>
+                  <a:srgbClr val="000000"/>
+                </a:solidFill>
+                <a:latin typeface="Consolas" panose="020B0609020204030204" pitchFamily="49" charset="0"/>
+              </a:rPr>
+              <a:t>msg.payload</a:t>
+            </a:r>
+            <a:r>
+              <a:rPr lang="en-US" altLang="zh-TW" dirty="0">
+                <a:solidFill>
+                  <a:srgbClr val="000000"/>
+                </a:solidFill>
+                <a:latin typeface="Consolas" panose="020B0609020204030204" pitchFamily="49" charset="0"/>
+              </a:rPr>
+              <a:t> +</a:t>
+            </a:r>
+            <a:r>
+              <a:rPr lang="en-US" altLang="zh-TW" dirty="0">
+                <a:solidFill>
+                  <a:srgbClr val="A31515"/>
+                </a:solidFill>
+                <a:latin typeface="Consolas" panose="020B0609020204030204" pitchFamily="49" charset="0"/>
+              </a:rPr>
+              <a:t>"bpm"</a:t>
+            </a:r>
+            <a:r>
+              <a:rPr lang="en-US" altLang="zh-TW" dirty="0">
+                <a:solidFill>
+                  <a:srgbClr val="000000"/>
+                </a:solidFill>
+                <a:latin typeface="Consolas" panose="020B0609020204030204" pitchFamily="49" charset="0"/>
+              </a:rPr>
+              <a:t>;</a:t>
+            </a:r>
+          </a:p>
+          <a:p>
+            <a:r>
+              <a:rPr lang="en-US" altLang="zh-TW" dirty="0" err="1">
+                <a:solidFill>
+                  <a:srgbClr val="000000"/>
+                </a:solidFill>
+                <a:latin typeface="Consolas" panose="020B0609020204030204" pitchFamily="49" charset="0"/>
+              </a:rPr>
+              <a:t>msg.payload</a:t>
+            </a:r>
+            <a:r>
+              <a:rPr lang="en-US" altLang="zh-TW" dirty="0">
+                <a:solidFill>
+                  <a:srgbClr val="000000"/>
+                </a:solidFill>
+                <a:latin typeface="Consolas" panose="020B0609020204030204" pitchFamily="49" charset="0"/>
+              </a:rPr>
+              <a:t> = message;</a:t>
+            </a:r>
+          </a:p>
+          <a:p>
+            <a:r>
+              <a:rPr lang="en-US" altLang="zh-TW" dirty="0">
+                <a:solidFill>
+                  <a:srgbClr val="0000FF"/>
+                </a:solidFill>
+                <a:latin typeface="Consolas" panose="020B0609020204030204" pitchFamily="49" charset="0"/>
+              </a:rPr>
+              <a:t>return</a:t>
+            </a:r>
+            <a:r>
+              <a:rPr lang="en-US" altLang="zh-TW" dirty="0">
+                <a:solidFill>
+                  <a:srgbClr val="000000"/>
+                </a:solidFill>
+                <a:latin typeface="Consolas" panose="020B0609020204030204" pitchFamily="49" charset="0"/>
+              </a:rPr>
+              <a:t> msg;</a:t>
+            </a:r>
+          </a:p>
+        </p:txBody>
+      </p:sp>
+      <p:sp>
+        <p:nvSpPr>
+          <p:cNvPr id="3" name="矩形 2">
+            <a:extLst>
+              <a:ext uri="{FF2B5EF4-FFF2-40B4-BE49-F238E27FC236}">
+                <a16:creationId xmlns:a16="http://schemas.microsoft.com/office/drawing/2014/main" id="{9F132C73-62DA-4E44-BD71-02E3617F8767}"/>
+              </a:ext>
+            </a:extLst>
+          </p:cNvPr>
+          <p:cNvSpPr/>
+          <p:nvPr/>
+        </p:nvSpPr>
+        <p:spPr>
+          <a:xfrm>
+            <a:off x="2005998" y="1951672"/>
+            <a:ext cx="3869869" cy="1477328"/>
+          </a:xfrm>
+          <a:prstGeom prst="rect">
+            <a:avLst/>
+          </a:prstGeom>
+          <a:solidFill>
+            <a:schemeClr val="bg1"/>
+          </a:solidFill>
+          <a:ln>
+            <a:solidFill>
+              <a:schemeClr val="tx1"/>
+            </a:solidFill>
+          </a:ln>
+        </p:spPr>
+        <p:txBody>
+          <a:bodyPr wrap="square">
+            <a:spAutoFit/>
+          </a:bodyPr>
+          <a:lstStyle/>
+          <a:p>
+            <a:r>
+              <a:rPr lang="en-US" altLang="zh-TW" dirty="0">
+                <a:solidFill>
+                  <a:srgbClr val="0000FF"/>
+                </a:solidFill>
+                <a:latin typeface="Consolas" panose="020B0609020204030204" pitchFamily="49" charset="0"/>
+              </a:rPr>
+              <a:t>var</a:t>
+            </a:r>
+            <a:r>
+              <a:rPr lang="en-US" altLang="zh-TW" dirty="0">
+                <a:solidFill>
+                  <a:srgbClr val="000000"/>
+                </a:solidFill>
+                <a:latin typeface="Consolas" panose="020B0609020204030204" pitchFamily="49" charset="0"/>
+              </a:rPr>
+              <a:t> message = </a:t>
+            </a:r>
+            <a:r>
+              <a:rPr lang="en-US" altLang="zh-TW" dirty="0">
+                <a:solidFill>
+                  <a:srgbClr val="A31515"/>
+                </a:solidFill>
+                <a:latin typeface="Consolas" panose="020B0609020204030204" pitchFamily="49" charset="0"/>
+              </a:rPr>
+              <a:t>"Normal heart rate \n heart rate:"</a:t>
+            </a:r>
+            <a:r>
+              <a:rPr lang="en-US" altLang="zh-TW" dirty="0">
+                <a:solidFill>
+                  <a:srgbClr val="000000"/>
+                </a:solidFill>
+                <a:latin typeface="Consolas" panose="020B0609020204030204" pitchFamily="49" charset="0"/>
+              </a:rPr>
+              <a:t> + </a:t>
+            </a:r>
+            <a:r>
+              <a:rPr lang="en-US" altLang="zh-TW" dirty="0" err="1">
+                <a:solidFill>
+                  <a:srgbClr val="000000"/>
+                </a:solidFill>
+                <a:latin typeface="Consolas" panose="020B0609020204030204" pitchFamily="49" charset="0"/>
+              </a:rPr>
+              <a:t>msg.payload</a:t>
+            </a:r>
+            <a:r>
+              <a:rPr lang="en-US" altLang="zh-TW" dirty="0">
+                <a:solidFill>
+                  <a:srgbClr val="000000"/>
+                </a:solidFill>
+                <a:latin typeface="Consolas" panose="020B0609020204030204" pitchFamily="49" charset="0"/>
+              </a:rPr>
+              <a:t> +</a:t>
+            </a:r>
+            <a:r>
+              <a:rPr lang="en-US" altLang="zh-TW" dirty="0">
+                <a:solidFill>
+                  <a:srgbClr val="A31515"/>
+                </a:solidFill>
+                <a:latin typeface="Consolas" panose="020B0609020204030204" pitchFamily="49" charset="0"/>
+              </a:rPr>
+              <a:t>"bpm"</a:t>
+            </a:r>
+            <a:r>
+              <a:rPr lang="en-US" altLang="zh-TW" dirty="0">
+                <a:solidFill>
+                  <a:srgbClr val="000000"/>
+                </a:solidFill>
+                <a:latin typeface="Consolas" panose="020B0609020204030204" pitchFamily="49" charset="0"/>
+              </a:rPr>
+              <a:t>;</a:t>
+            </a:r>
+          </a:p>
+          <a:p>
+            <a:r>
+              <a:rPr lang="en-US" altLang="zh-TW" dirty="0" err="1">
+                <a:solidFill>
+                  <a:srgbClr val="000000"/>
+                </a:solidFill>
+                <a:latin typeface="Consolas" panose="020B0609020204030204" pitchFamily="49" charset="0"/>
+              </a:rPr>
+              <a:t>msg.payload</a:t>
+            </a:r>
+            <a:r>
+              <a:rPr lang="en-US" altLang="zh-TW" dirty="0">
+                <a:solidFill>
+                  <a:srgbClr val="000000"/>
+                </a:solidFill>
+                <a:latin typeface="Consolas" panose="020B0609020204030204" pitchFamily="49" charset="0"/>
+              </a:rPr>
+              <a:t> = message;</a:t>
+            </a:r>
+          </a:p>
+          <a:p>
+            <a:r>
+              <a:rPr lang="en-US" altLang="zh-TW" dirty="0">
+                <a:solidFill>
+                  <a:srgbClr val="0000FF"/>
+                </a:solidFill>
+                <a:latin typeface="Consolas" panose="020B0609020204030204" pitchFamily="49" charset="0"/>
+              </a:rPr>
+              <a:t>return</a:t>
+            </a:r>
+            <a:r>
+              <a:rPr lang="en-US" altLang="zh-TW" dirty="0">
+                <a:solidFill>
+                  <a:srgbClr val="000000"/>
+                </a:solidFill>
+                <a:latin typeface="Consolas" panose="020B0609020204030204" pitchFamily="49" charset="0"/>
+              </a:rPr>
+              <a:t> msg;</a:t>
+            </a:r>
+          </a:p>
+        </p:txBody>
+      </p:sp>
+      <p:sp>
+        <p:nvSpPr>
+          <p:cNvPr id="4" name="矩形 3">
+            <a:extLst>
+              <a:ext uri="{FF2B5EF4-FFF2-40B4-BE49-F238E27FC236}">
+                <a16:creationId xmlns:a16="http://schemas.microsoft.com/office/drawing/2014/main" id="{0E3B31DE-DFDE-4672-A5D4-BFDEA62B3A64}"/>
+              </a:ext>
+            </a:extLst>
+          </p:cNvPr>
+          <p:cNvSpPr/>
+          <p:nvPr/>
+        </p:nvSpPr>
+        <p:spPr>
+          <a:xfrm>
+            <a:off x="2005997" y="3531063"/>
+            <a:ext cx="3869869" cy="1477328"/>
+          </a:xfrm>
+          <a:prstGeom prst="rect">
+            <a:avLst/>
+          </a:prstGeom>
+          <a:solidFill>
+            <a:schemeClr val="bg1"/>
+          </a:solidFill>
+          <a:ln>
+            <a:solidFill>
+              <a:schemeClr val="tx1"/>
+            </a:solidFill>
+          </a:ln>
+        </p:spPr>
+        <p:txBody>
+          <a:bodyPr wrap="square">
+            <a:spAutoFit/>
+          </a:bodyPr>
+          <a:lstStyle/>
+          <a:p>
+            <a:r>
+              <a:rPr lang="en-US" altLang="zh-TW" dirty="0">
+                <a:solidFill>
+                  <a:srgbClr val="0000FF"/>
+                </a:solidFill>
+                <a:latin typeface="Consolas" panose="020B0609020204030204" pitchFamily="49" charset="0"/>
+              </a:rPr>
+              <a:t>var</a:t>
+            </a:r>
+            <a:r>
+              <a:rPr lang="en-US" altLang="zh-TW" dirty="0">
+                <a:solidFill>
+                  <a:srgbClr val="000000"/>
+                </a:solidFill>
+                <a:latin typeface="Consolas" panose="020B0609020204030204" pitchFamily="49" charset="0"/>
+              </a:rPr>
+              <a:t> message = </a:t>
+            </a:r>
+            <a:r>
+              <a:rPr lang="en-US" altLang="zh-TW" dirty="0">
+                <a:solidFill>
+                  <a:srgbClr val="A31515"/>
+                </a:solidFill>
+                <a:latin typeface="Consolas" panose="020B0609020204030204" pitchFamily="49" charset="0"/>
+              </a:rPr>
+              <a:t>"Low heart rate \n heart rate:"</a:t>
+            </a:r>
+            <a:r>
+              <a:rPr lang="en-US" altLang="zh-TW" dirty="0">
+                <a:solidFill>
+                  <a:srgbClr val="000000"/>
+                </a:solidFill>
+                <a:latin typeface="Consolas" panose="020B0609020204030204" pitchFamily="49" charset="0"/>
+              </a:rPr>
+              <a:t> + </a:t>
+            </a:r>
+            <a:r>
+              <a:rPr lang="en-US" altLang="zh-TW" dirty="0" err="1">
+                <a:solidFill>
+                  <a:srgbClr val="000000"/>
+                </a:solidFill>
+                <a:latin typeface="Consolas" panose="020B0609020204030204" pitchFamily="49" charset="0"/>
+              </a:rPr>
+              <a:t>msg.payload+</a:t>
+            </a:r>
+            <a:r>
+              <a:rPr lang="en-US" altLang="zh-TW" dirty="0" err="1">
+                <a:solidFill>
+                  <a:srgbClr val="A31515"/>
+                </a:solidFill>
+                <a:latin typeface="Consolas" panose="020B0609020204030204" pitchFamily="49" charset="0"/>
+              </a:rPr>
+              <a:t>"bpm</a:t>
+            </a:r>
+            <a:r>
+              <a:rPr lang="en-US" altLang="zh-TW" dirty="0">
+                <a:solidFill>
+                  <a:srgbClr val="A31515"/>
+                </a:solidFill>
+                <a:latin typeface="Consolas" panose="020B0609020204030204" pitchFamily="49" charset="0"/>
+              </a:rPr>
+              <a:t>"</a:t>
+            </a:r>
+            <a:r>
+              <a:rPr lang="en-US" altLang="zh-TW" dirty="0">
+                <a:solidFill>
+                  <a:srgbClr val="000000"/>
+                </a:solidFill>
+                <a:latin typeface="Consolas" panose="020B0609020204030204" pitchFamily="49" charset="0"/>
+              </a:rPr>
+              <a:t>;</a:t>
+            </a:r>
+          </a:p>
+          <a:p>
+            <a:r>
+              <a:rPr lang="en-US" altLang="zh-TW" dirty="0" err="1">
+                <a:solidFill>
+                  <a:srgbClr val="000000"/>
+                </a:solidFill>
+                <a:latin typeface="Consolas" panose="020B0609020204030204" pitchFamily="49" charset="0"/>
+              </a:rPr>
+              <a:t>msg.payload</a:t>
+            </a:r>
+            <a:r>
+              <a:rPr lang="en-US" altLang="zh-TW" dirty="0">
+                <a:solidFill>
+                  <a:srgbClr val="000000"/>
+                </a:solidFill>
+                <a:latin typeface="Consolas" panose="020B0609020204030204" pitchFamily="49" charset="0"/>
+              </a:rPr>
+              <a:t> = message;</a:t>
+            </a:r>
+          </a:p>
+          <a:p>
+            <a:r>
+              <a:rPr lang="en-US" altLang="zh-TW" dirty="0">
+                <a:solidFill>
+                  <a:srgbClr val="0000FF"/>
+                </a:solidFill>
+                <a:latin typeface="Consolas" panose="020B0609020204030204" pitchFamily="49" charset="0"/>
+              </a:rPr>
+              <a:t>return</a:t>
+            </a:r>
+            <a:r>
+              <a:rPr lang="en-US" altLang="zh-TW" dirty="0">
+                <a:solidFill>
+                  <a:srgbClr val="000000"/>
+                </a:solidFill>
+                <a:latin typeface="Consolas" panose="020B0609020204030204" pitchFamily="49" charset="0"/>
+              </a:rPr>
+              <a:t> msg;</a:t>
+            </a:r>
+          </a:p>
+        </p:txBody>
+      </p:sp>
+    </p:spTree>
+    <p:extLst>
+      <p:ext uri="{BB962C8B-B14F-4D97-AF65-F5344CB8AC3E}">
+        <p14:creationId xmlns:p14="http://schemas.microsoft.com/office/powerpoint/2010/main" val="60699762"/>
+      </p:ext>
+    </p:extLst>
+  </p:cSld>
+  <p:clrMapOvr>
+    <a:masterClrMapping/>
+  </p:clrMapOvr>
+</p:sld>
+</file>
+
+<file path=ppt/slides/slide34.xml><?xml version="1.0" encoding="utf-8"?>
+<p:sld xmlns:a="http://schemas.openxmlformats.org/drawingml/2006/main" xmlns:r="http://schemas.openxmlformats.org/officeDocument/2006/relationships" xmlns:p="http://schemas.openxmlformats.org/presentationml/2006/main">
+  <p:cSld>
+    <p:spTree>
+      <p:nvGrpSpPr>
+        <p:cNvPr id="1" name=""/>
+        <p:cNvGrpSpPr/>
+        <p:nvPr/>
+      </p:nvGrpSpPr>
+      <p:grpSpPr>
+        <a:xfrm>
+          <a:off x="0" y="0"/>
+          <a:ext cx="0" cy="0"/>
+          <a:chOff x="0" y="0"/>
+          <a:chExt cx="0" cy="0"/>
+        </a:xfrm>
+      </p:grpSpPr>
+    </p:spTree>
+    <p:extLst>
+      <p:ext uri="{BB962C8B-B14F-4D97-AF65-F5344CB8AC3E}">
+        <p14:creationId xmlns:p14="http://schemas.microsoft.com/office/powerpoint/2010/main" val="2168271809"/>
+      </p:ext>
+    </p:extLst>
+  </p:cSld>
+  <p:clrMapOvr>
+    <a:masterClrMapping/>
+  </p:clrMapOvr>
+</p:sld>
+</file>
+
+<file path=ppt/slides/slide35.xml><?xml version="1.0" encoding="utf-8"?>
+<p:sld xmlns:a="http://schemas.openxmlformats.org/drawingml/2006/main" xmlns:r="http://schemas.openxmlformats.org/officeDocument/2006/relationships" xmlns:p="http://schemas.openxmlformats.org/presentationml/2006/main">
+  <p:cSld>
+    <p:spTree>
+      <p:nvGrpSpPr>
+        <p:cNvPr id="1" name=""/>
+        <p:cNvGrpSpPr/>
+        <p:nvPr/>
+      </p:nvGrpSpPr>
+      <p:grpSpPr>
+        <a:xfrm>
+          <a:off x="0" y="0"/>
+          <a:ext cx="0" cy="0"/>
+          <a:chOff x="0" y="0"/>
+          <a:chExt cx="0" cy="0"/>
+        </a:xfrm>
+      </p:grpSpPr>
+    </p:spTree>
+    <p:extLst>
+      <p:ext uri="{BB962C8B-B14F-4D97-AF65-F5344CB8AC3E}">
+        <p14:creationId xmlns:p14="http://schemas.microsoft.com/office/powerpoint/2010/main" val="1277890241"/>
+      </p:ext>
+    </p:extLst>
+  </p:cSld>
+  <p:clrMapOvr>
+    <a:masterClrMapping/>
+  </p:clrMapOvr>
+</p:sld>
+</file>
+
+<file path=ppt/slides/slide36.xml><?xml version="1.0" encoding="utf-8"?>
+<p:sld xmlns:a="http://schemas.openxmlformats.org/drawingml/2006/main" xmlns:r="http://schemas.openxmlformats.org/officeDocument/2006/relationships" xmlns:p="http://schemas.openxmlformats.org/presentationml/2006/main">
+  <p:cSld>
+    <p:spTree>
+      <p:nvGrpSpPr>
+        <p:cNvPr id="1" name=""/>
+        <p:cNvGrpSpPr/>
+        <p:nvPr/>
+      </p:nvGrpSpPr>
+      <p:grpSpPr>
+        <a:xfrm>
+          <a:off x="0" y="0"/>
+          <a:ext cx="0" cy="0"/>
+          <a:chOff x="0" y="0"/>
+          <a:chExt cx="0" cy="0"/>
+        </a:xfrm>
+      </p:grpSpPr>
+    </p:spTree>
+    <p:extLst>
+      <p:ext uri="{BB962C8B-B14F-4D97-AF65-F5344CB8AC3E}">
+        <p14:creationId xmlns:p14="http://schemas.microsoft.com/office/powerpoint/2010/main" val="1393300551"/>
+      </p:ext>
+    </p:extLst>
+  </p:cSld>
+  <p:clrMapOvr>
+    <a:masterClrMapping/>
+  </p:clrMapOvr>
+</p:sld>
+</file>
+
+<file path=ppt/slides/slide37.xml><?xml version="1.0" encoding="utf-8"?>
+<p:sld xmlns:a="http://schemas.openxmlformats.org/drawingml/2006/main" xmlns:r="http://schemas.openxmlformats.org/officeDocument/2006/relationships" xmlns:p="http://schemas.openxmlformats.org/presentationml/2006/main">
+  <p:cSld>
+    <p:spTree>
+      <p:nvGrpSpPr>
+        <p:cNvPr id="1" name=""/>
+        <p:cNvGrpSpPr/>
+        <p:nvPr/>
+      </p:nvGrpSpPr>
+      <p:grpSpPr>
+        <a:xfrm>
+          <a:off x="0" y="0"/>
+          <a:ext cx="0" cy="0"/>
+          <a:chOff x="0" y="0"/>
+          <a:chExt cx="0" cy="0"/>
+        </a:xfrm>
+      </p:grpSpPr>
+    </p:spTree>
+    <p:extLst>
+      <p:ext uri="{BB962C8B-B14F-4D97-AF65-F5344CB8AC3E}">
+        <p14:creationId xmlns:p14="http://schemas.microsoft.com/office/powerpoint/2010/main" val="3182246277"/>
       </p:ext>
     </p:extLst>
   </p:cSld>
@@ -7972,6 +12301,36 @@
           <a:chExt cx="0" cy="0"/>
         </a:xfrm>
       </p:grpSpPr>
+      <p:pic>
+        <p:nvPicPr>
+          <p:cNvPr id="2" name="圖片 1">
+            <a:extLst>
+              <a:ext uri="{FF2B5EF4-FFF2-40B4-BE49-F238E27FC236}">
+                <a16:creationId xmlns:a16="http://schemas.microsoft.com/office/drawing/2014/main" id="{7BFE1591-3A3E-4159-8FA7-E8281D3A6B75}"/>
+              </a:ext>
+            </a:extLst>
+          </p:cNvPr>
+          <p:cNvPicPr>
+            <a:picLocks noChangeAspect="1"/>
+          </p:cNvPicPr>
+          <p:nvPr/>
+        </p:nvPicPr>
+        <p:blipFill>
+          <a:blip r:embed="rId2"/>
+          <a:stretch>
+            <a:fillRect/>
+          </a:stretch>
+        </p:blipFill>
+        <p:spPr>
+          <a:xfrm>
+            <a:off x="609531" y="1381062"/>
+            <a:ext cx="3979894" cy="3667188"/>
+          </a:xfrm>
+          <a:prstGeom prst="rect">
+            <a:avLst/>
+          </a:prstGeom>
+        </p:spPr>
+      </p:pic>
     </p:spTree>
     <p:extLst>
       <p:ext uri="{BB962C8B-B14F-4D97-AF65-F5344CB8AC3E}">
